--- a/读经笔记/各卷圣经/03 利未记/周三.pptx
+++ b/读经笔记/各卷圣经/03 利未记/周三.pptx
@@ -5,12 +5,26 @@
     <p:sldMasterId id="2147483648" r:id="rId1"/>
   </p:sldMasterIdLst>
   <p:notesMasterIdLst>
-    <p:notesMasterId r:id="rId5"/>
+    <p:notesMasterId r:id="rId19"/>
   </p:notesMasterIdLst>
   <p:sldIdLst>
-    <p:sldId id="256" r:id="rId2"/>
-    <p:sldId id="257" r:id="rId3"/>
-    <p:sldId id="258" r:id="rId4"/>
+    <p:sldId id="261" r:id="rId2"/>
+    <p:sldId id="262" r:id="rId3"/>
+    <p:sldId id="264" r:id="rId4"/>
+    <p:sldId id="260" r:id="rId5"/>
+    <p:sldId id="265" r:id="rId6"/>
+    <p:sldId id="263" r:id="rId7"/>
+    <p:sldId id="266" r:id="rId8"/>
+    <p:sldId id="267" r:id="rId9"/>
+    <p:sldId id="268" r:id="rId10"/>
+    <p:sldId id="269" r:id="rId11"/>
+    <p:sldId id="270" r:id="rId12"/>
+    <p:sldId id="259" r:id="rId13"/>
+    <p:sldId id="271" r:id="rId14"/>
+    <p:sldId id="272" r:id="rId15"/>
+    <p:sldId id="256" r:id="rId16"/>
+    <p:sldId id="257" r:id="rId17"/>
+    <p:sldId id="258" r:id="rId18"/>
   </p:sldIdLst>
   <p:sldSz cx="12192000" cy="6858000"/>
   <p:notesSz cx="6858000" cy="9144000"/>
@@ -109,6 +123,11 @@
       </a:defRPr>
     </a:lvl9pPr>
   </p:defaultTextStyle>
+  <p:extLst>
+    <p:ext uri="{EFAFB233-063F-42B5-8137-9DF3F51BA10A}">
+      <p15:sldGuideLst xmlns:p15="http://schemas.microsoft.com/office/powerpoint/2012/main"/>
+    </p:ext>
+  </p:extLst>
 </p:presentation>
 </file>
 
@@ -194,7 +213,7 @@
           <a:p>
             <a:fld id="{6171AD67-D9D2-491B-8565-6FFFEB20E45D}" type="datetimeFigureOut">
               <a:rPr lang="zh-CN" altLang="en-US" smtClean="0"/>
-              <a:t>2021/12/20</a:t>
+              <a:t>2021/12/22</a:t>
             </a:fld>
             <a:endParaRPr lang="zh-CN" altLang="en-US"/>
           </a:p>
@@ -543,7 +562,7 @@
           <a:p>
             <a:fld id="{91B75BE8-E1C7-4661-A2F9-D32E4AE6CEFD}" type="slidenum">
               <a:rPr lang="zh-CN" altLang="en-US" smtClean="0"/>
-              <a:t>1</a:t>
+              <a:t>15</a:t>
             </a:fld>
             <a:endParaRPr lang="zh-CN" altLang="en-US"/>
           </a:p>
@@ -630,7 +649,7 @@
           <a:p>
             <a:fld id="{91B75BE8-E1C7-4661-A2F9-D32E4AE6CEFD}" type="slidenum">
               <a:rPr lang="zh-CN" altLang="en-US" smtClean="0"/>
-              <a:t>2</a:t>
+              <a:t>16</a:t>
             </a:fld>
             <a:endParaRPr lang="zh-CN" altLang="en-US"/>
           </a:p>
@@ -714,7 +733,7 @@
           <a:p>
             <a:fld id="{91B75BE8-E1C7-4661-A2F9-D32E4AE6CEFD}" type="slidenum">
               <a:rPr lang="zh-CN" altLang="en-US" smtClean="0"/>
-              <a:t>3</a:t>
+              <a:t>17</a:t>
             </a:fld>
             <a:endParaRPr lang="zh-CN" altLang="en-US"/>
           </a:p>
@@ -880,7 +899,7 @@
           <a:p>
             <a:fld id="{C2AF9038-3C74-4017-88A8-FD032ED20DB6}" type="datetimeFigureOut">
               <a:rPr lang="zh-CN" altLang="en-US" smtClean="0"/>
-              <a:t>2021/12/20</a:t>
+              <a:t>2021/12/22</a:t>
             </a:fld>
             <a:endParaRPr lang="zh-CN" altLang="en-US"/>
           </a:p>
@@ -1078,7 +1097,7 @@
           <a:p>
             <a:fld id="{C2AF9038-3C74-4017-88A8-FD032ED20DB6}" type="datetimeFigureOut">
               <a:rPr lang="zh-CN" altLang="en-US" smtClean="0"/>
-              <a:t>2021/12/20</a:t>
+              <a:t>2021/12/22</a:t>
             </a:fld>
             <a:endParaRPr lang="zh-CN" altLang="en-US"/>
           </a:p>
@@ -1286,7 +1305,7 @@
           <a:p>
             <a:fld id="{C2AF9038-3C74-4017-88A8-FD032ED20DB6}" type="datetimeFigureOut">
               <a:rPr lang="zh-CN" altLang="en-US" smtClean="0"/>
-              <a:t>2021/12/20</a:t>
+              <a:t>2021/12/22</a:t>
             </a:fld>
             <a:endParaRPr lang="zh-CN" altLang="en-US"/>
           </a:p>
@@ -1484,7 +1503,7 @@
           <a:p>
             <a:fld id="{C2AF9038-3C74-4017-88A8-FD032ED20DB6}" type="datetimeFigureOut">
               <a:rPr lang="zh-CN" altLang="en-US" smtClean="0"/>
-              <a:t>2021/12/20</a:t>
+              <a:t>2021/12/22</a:t>
             </a:fld>
             <a:endParaRPr lang="zh-CN" altLang="en-US"/>
           </a:p>
@@ -1759,7 +1778,7 @@
           <a:p>
             <a:fld id="{C2AF9038-3C74-4017-88A8-FD032ED20DB6}" type="datetimeFigureOut">
               <a:rPr lang="zh-CN" altLang="en-US" smtClean="0"/>
-              <a:t>2021/12/20</a:t>
+              <a:t>2021/12/22</a:t>
             </a:fld>
             <a:endParaRPr lang="zh-CN" altLang="en-US"/>
           </a:p>
@@ -2024,7 +2043,7 @@
           <a:p>
             <a:fld id="{C2AF9038-3C74-4017-88A8-FD032ED20DB6}" type="datetimeFigureOut">
               <a:rPr lang="zh-CN" altLang="en-US" smtClean="0"/>
-              <a:t>2021/12/20</a:t>
+              <a:t>2021/12/22</a:t>
             </a:fld>
             <a:endParaRPr lang="zh-CN" altLang="en-US"/>
           </a:p>
@@ -2436,7 +2455,7 @@
           <a:p>
             <a:fld id="{C2AF9038-3C74-4017-88A8-FD032ED20DB6}" type="datetimeFigureOut">
               <a:rPr lang="zh-CN" altLang="en-US" smtClean="0"/>
-              <a:t>2021/12/20</a:t>
+              <a:t>2021/12/22</a:t>
             </a:fld>
             <a:endParaRPr lang="zh-CN" altLang="en-US"/>
           </a:p>
@@ -2577,7 +2596,7 @@
           <a:p>
             <a:fld id="{C2AF9038-3C74-4017-88A8-FD032ED20DB6}" type="datetimeFigureOut">
               <a:rPr lang="zh-CN" altLang="en-US" smtClean="0"/>
-              <a:t>2021/12/20</a:t>
+              <a:t>2021/12/22</a:t>
             </a:fld>
             <a:endParaRPr lang="zh-CN" altLang="en-US"/>
           </a:p>
@@ -2690,7 +2709,7 @@
           <a:p>
             <a:fld id="{C2AF9038-3C74-4017-88A8-FD032ED20DB6}" type="datetimeFigureOut">
               <a:rPr lang="zh-CN" altLang="en-US" smtClean="0"/>
-              <a:t>2021/12/20</a:t>
+              <a:t>2021/12/22</a:t>
             </a:fld>
             <a:endParaRPr lang="zh-CN" altLang="en-US"/>
           </a:p>
@@ -3001,7 +3020,7 @@
           <a:p>
             <a:fld id="{C2AF9038-3C74-4017-88A8-FD032ED20DB6}" type="datetimeFigureOut">
               <a:rPr lang="zh-CN" altLang="en-US" smtClean="0"/>
-              <a:t>2021/12/20</a:t>
+              <a:t>2021/12/22</a:t>
             </a:fld>
             <a:endParaRPr lang="zh-CN" altLang="en-US"/>
           </a:p>
@@ -3289,7 +3308,7 @@
           <a:p>
             <a:fld id="{C2AF9038-3C74-4017-88A8-FD032ED20DB6}" type="datetimeFigureOut">
               <a:rPr lang="zh-CN" altLang="en-US" smtClean="0"/>
-              <a:t>2021/12/20</a:t>
+              <a:t>2021/12/22</a:t>
             </a:fld>
             <a:endParaRPr lang="zh-CN" altLang="en-US"/>
           </a:p>
@@ -3530,7 +3549,7 @@
           <a:p>
             <a:fld id="{C2AF9038-3C74-4017-88A8-FD032ED20DB6}" type="datetimeFigureOut">
               <a:rPr lang="zh-CN" altLang="en-US" smtClean="0"/>
-              <a:t>2021/12/20</a:t>
+              <a:t>2021/12/22</a:t>
             </a:fld>
             <a:endParaRPr lang="zh-CN" altLang="en-US"/>
           </a:p>
@@ -3952,7 +3971,7 @@
           <p:cNvPr id="2" name="标题 1">
             <a:extLst>
               <a:ext uri="{FF2B5EF4-FFF2-40B4-BE49-F238E27FC236}">
-                <a16:creationId xmlns:a16="http://schemas.microsoft.com/office/drawing/2014/main" id="{42D280DC-63DD-404B-8BD6-0ADC9299215E}"/>
+                <a16:creationId xmlns:a16="http://schemas.microsoft.com/office/drawing/2014/main" id="{26015EED-EE59-40AE-9A33-7494AB534D92}"/>
               </a:ext>
             </a:extLst>
           </p:cNvPr>
@@ -3960,24 +3979,24 @@
             <a:spLocks noGrp="1"/>
           </p:cNvSpPr>
           <p:nvPr>
-            <p:ph type="ctrTitle"/>
+            <p:ph type="title"/>
           </p:nvPr>
         </p:nvSpPr>
         <p:spPr>
           <a:xfrm>
-            <a:off x="1857910" y="2235200"/>
-            <a:ext cx="9144000" cy="2387600"/>
+            <a:off x="2926850" y="2526060"/>
+            <a:ext cx="6338299" cy="1805880"/>
           </a:xfrm>
         </p:spPr>
         <p:txBody>
-          <a:bodyPr anchor="ctr">
-            <a:normAutofit/>
+          <a:bodyPr>
+            <a:noAutofit/>
           </a:bodyPr>
           <a:lstStyle/>
           <a:p>
             <a:r>
-              <a:rPr lang="zh-CN" altLang="en-US" sz="9600" b="1" dirty="0"/>
-              <a:t>吃？洁净？</a:t>
+              <a:rPr lang="zh-CN" altLang="en-US" sz="9600" dirty="0"/>
+              <a:t>阅读的艺术</a:t>
             </a:r>
           </a:p>
         </p:txBody>
@@ -3985,7 +4004,7 @@
     </p:spTree>
     <p:extLst>
       <p:ext uri="{BB962C8B-B14F-4D97-AF65-F5344CB8AC3E}">
-        <p14:creationId xmlns:p14="http://schemas.microsoft.com/office/powerpoint/2010/main" val="297372797"/>
+        <p14:creationId xmlns:p14="http://schemas.microsoft.com/office/powerpoint/2010/main" val="1522554918"/>
       </p:ext>
     </p:extLst>
   </p:cSld>
@@ -3995,7 +4014,7 @@
 </p:sld>
 </file>
 
-<file path=ppt/slides/slide2.xml><?xml version="1.0" encoding="utf-8"?>
+<file path=ppt/slides/slide10.xml><?xml version="1.0" encoding="utf-8"?>
 <p:sld xmlns:a="http://schemas.openxmlformats.org/drawingml/2006/main" xmlns:r="http://schemas.openxmlformats.org/officeDocument/2006/relationships" xmlns:p="http://schemas.openxmlformats.org/presentationml/2006/main">
   <p:cSld>
     <p:spTree>
@@ -4017,6 +4036,1839 @@
           <p:cNvPr id="2" name="标题 1">
             <a:extLst>
               <a:ext uri="{FF2B5EF4-FFF2-40B4-BE49-F238E27FC236}">
+                <a16:creationId xmlns:a16="http://schemas.microsoft.com/office/drawing/2014/main" id="{7AD8D88F-4192-436B-9810-BD069479F49C}"/>
+              </a:ext>
+            </a:extLst>
+          </p:cNvPr>
+          <p:cNvSpPr>
+            <a:spLocks noGrp="1"/>
+          </p:cNvSpPr>
+          <p:nvPr>
+            <p:ph type="title"/>
+          </p:nvPr>
+        </p:nvSpPr>
+        <p:spPr>
+          <a:xfrm>
+            <a:off x="2330660" y="1788190"/>
+            <a:ext cx="7530679" cy="1325563"/>
+          </a:xfrm>
+        </p:spPr>
+        <p:txBody>
+          <a:bodyPr/>
+          <a:lstStyle/>
+          <a:p>
+            <a:r>
+              <a:rPr lang="zh-CN" altLang="en-US" dirty="0"/>
+              <a:t>结构帮助我们丰富阅读的层次</a:t>
+            </a:r>
+          </a:p>
+        </p:txBody>
+      </p:sp>
+      <p:sp>
+        <p:nvSpPr>
+          <p:cNvPr id="4" name="标题 1">
+            <a:extLst>
+              <a:ext uri="{FF2B5EF4-FFF2-40B4-BE49-F238E27FC236}">
+                <a16:creationId xmlns:a16="http://schemas.microsoft.com/office/drawing/2014/main" id="{B2A33FFC-A76B-46FD-BDEE-2540BFE50875}"/>
+              </a:ext>
+            </a:extLst>
+          </p:cNvPr>
+          <p:cNvSpPr txBox="1">
+            <a:spLocks/>
+          </p:cNvSpPr>
+          <p:nvPr/>
+        </p:nvSpPr>
+        <p:spPr>
+          <a:xfrm>
+            <a:off x="3455366" y="3113753"/>
+            <a:ext cx="5281266" cy="1202274"/>
+          </a:xfrm>
+          <a:prstGeom prst="rect">
+            <a:avLst/>
+          </a:prstGeom>
+        </p:spPr>
+        <p:txBody>
+          <a:bodyPr vert="horz" lIns="91440" tIns="45720" rIns="91440" bIns="45720" rtlCol="0" anchor="ctr">
+            <a:normAutofit/>
+          </a:bodyPr>
+          <a:lstStyle>
+            <a:lvl1pPr algn="l" defTabSz="914400" rtl="0" eaLnBrk="1" latinLnBrk="0" hangingPunct="1">
+              <a:lnSpc>
+                <a:spcPct val="90000"/>
+              </a:lnSpc>
+              <a:spcBef>
+                <a:spcPct val="0"/>
+              </a:spcBef>
+              <a:buNone/>
+              <a:defRPr sz="4400" kern="1200">
+                <a:solidFill>
+                  <a:schemeClr val="tx1"/>
+                </a:solidFill>
+                <a:latin typeface="+mj-lt"/>
+                <a:ea typeface="+mj-ea"/>
+                <a:cs typeface="+mj-cs"/>
+              </a:defRPr>
+            </a:lvl1pPr>
+          </a:lstStyle>
+          <a:p>
+            <a:r>
+              <a:rPr lang="zh-CN" altLang="en-US" dirty="0"/>
+              <a:t>认识作者的写作意图</a:t>
+            </a:r>
+          </a:p>
+        </p:txBody>
+      </p:sp>
+    </p:spTree>
+    <p:extLst>
+      <p:ext uri="{BB962C8B-B14F-4D97-AF65-F5344CB8AC3E}">
+        <p14:creationId xmlns:p14="http://schemas.microsoft.com/office/powerpoint/2010/main" val="3708714987"/>
+      </p:ext>
+    </p:extLst>
+  </p:cSld>
+  <p:clrMapOvr>
+    <a:masterClrMapping/>
+  </p:clrMapOvr>
+  <p:timing>
+    <p:tnLst>
+      <p:par>
+        <p:cTn id="1" dur="indefinite" restart="never" nodeType="tmRoot">
+          <p:childTnLst>
+            <p:seq concurrent="1" nextAc="seek">
+              <p:cTn id="2" dur="indefinite" nodeType="mainSeq">
+                <p:childTnLst>
+                  <p:par>
+                    <p:cTn id="3" fill="hold">
+                      <p:stCondLst>
+                        <p:cond delay="indefinite"/>
+                      </p:stCondLst>
+                      <p:childTnLst>
+                        <p:par>
+                          <p:cTn id="4" fill="hold">
+                            <p:stCondLst>
+                              <p:cond delay="0"/>
+                            </p:stCondLst>
+                            <p:childTnLst>
+                              <p:par>
+                                <p:cTn id="5" presetID="10" presetClass="entr" presetSubtype="0" fill="hold" grpId="0" nodeType="clickEffect">
+                                  <p:stCondLst>
+                                    <p:cond delay="0"/>
+                                  </p:stCondLst>
+                                  <p:childTnLst>
+                                    <p:set>
+                                      <p:cBhvr>
+                                        <p:cTn id="6" dur="1" fill="hold">
+                                          <p:stCondLst>
+                                            <p:cond delay="0"/>
+                                          </p:stCondLst>
+                                        </p:cTn>
+                                        <p:tgtEl>
+                                          <p:spTgt spid="2"/>
+                                        </p:tgtEl>
+                                        <p:attrNameLst>
+                                          <p:attrName>style.visibility</p:attrName>
+                                        </p:attrNameLst>
+                                      </p:cBhvr>
+                                      <p:to>
+                                        <p:strVal val="visible"/>
+                                      </p:to>
+                                    </p:set>
+                                    <p:animEffect transition="in" filter="fade">
+                                      <p:cBhvr>
+                                        <p:cTn id="7" dur="2000"/>
+                                        <p:tgtEl>
+                                          <p:spTgt spid="2"/>
+                                        </p:tgtEl>
+                                      </p:cBhvr>
+                                    </p:animEffect>
+                                  </p:childTnLst>
+                                </p:cTn>
+                              </p:par>
+                            </p:childTnLst>
+                          </p:cTn>
+                        </p:par>
+                      </p:childTnLst>
+                    </p:cTn>
+                  </p:par>
+                  <p:par>
+                    <p:cTn id="8" fill="hold">
+                      <p:stCondLst>
+                        <p:cond delay="indefinite"/>
+                      </p:stCondLst>
+                      <p:childTnLst>
+                        <p:par>
+                          <p:cTn id="9" fill="hold">
+                            <p:stCondLst>
+                              <p:cond delay="0"/>
+                            </p:stCondLst>
+                            <p:childTnLst>
+                              <p:par>
+                                <p:cTn id="10" presetID="10" presetClass="entr" presetSubtype="0" fill="hold" grpId="0" nodeType="clickEffect">
+                                  <p:stCondLst>
+                                    <p:cond delay="0"/>
+                                  </p:stCondLst>
+                                  <p:childTnLst>
+                                    <p:set>
+                                      <p:cBhvr>
+                                        <p:cTn id="11" dur="1" fill="hold">
+                                          <p:stCondLst>
+                                            <p:cond delay="0"/>
+                                          </p:stCondLst>
+                                        </p:cTn>
+                                        <p:tgtEl>
+                                          <p:spTgt spid="4"/>
+                                        </p:tgtEl>
+                                        <p:attrNameLst>
+                                          <p:attrName>style.visibility</p:attrName>
+                                        </p:attrNameLst>
+                                      </p:cBhvr>
+                                      <p:to>
+                                        <p:strVal val="visible"/>
+                                      </p:to>
+                                    </p:set>
+                                    <p:animEffect transition="in" filter="fade">
+                                      <p:cBhvr>
+                                        <p:cTn id="12" dur="2000"/>
+                                        <p:tgtEl>
+                                          <p:spTgt spid="4"/>
+                                        </p:tgtEl>
+                                      </p:cBhvr>
+                                    </p:animEffect>
+                                  </p:childTnLst>
+                                </p:cTn>
+                              </p:par>
+                            </p:childTnLst>
+                          </p:cTn>
+                        </p:par>
+                      </p:childTnLst>
+                    </p:cTn>
+                  </p:par>
+                </p:childTnLst>
+              </p:cTn>
+              <p:prevCondLst>
+                <p:cond evt="onPrev" delay="0">
+                  <p:tgtEl>
+                    <p:sldTgt/>
+                  </p:tgtEl>
+                </p:cond>
+              </p:prevCondLst>
+              <p:nextCondLst>
+                <p:cond evt="onNext" delay="0">
+                  <p:tgtEl>
+                    <p:sldTgt/>
+                  </p:tgtEl>
+                </p:cond>
+              </p:nextCondLst>
+            </p:seq>
+          </p:childTnLst>
+        </p:cTn>
+      </p:par>
+    </p:tnLst>
+    <p:bldLst>
+      <p:bldP spid="2" grpId="0"/>
+      <p:bldP spid="4" grpId="0"/>
+    </p:bldLst>
+  </p:timing>
+</p:sld>
+</file>
+
+<file path=ppt/slides/slide11.xml><?xml version="1.0" encoding="utf-8"?>
+<p:sld xmlns:a="http://schemas.openxmlformats.org/drawingml/2006/main" xmlns:r="http://schemas.openxmlformats.org/officeDocument/2006/relationships" xmlns:p="http://schemas.openxmlformats.org/presentationml/2006/main">
+  <p:cSld>
+    <p:spTree>
+      <p:nvGrpSpPr>
+        <p:cNvPr id="1" name=""/>
+        <p:cNvGrpSpPr/>
+        <p:nvPr/>
+      </p:nvGrpSpPr>
+      <p:grpSpPr>
+        <a:xfrm>
+          <a:off x="0" y="0"/>
+          <a:ext cx="0" cy="0"/>
+          <a:chOff x="0" y="0"/>
+          <a:chExt cx="0" cy="0"/>
+        </a:xfrm>
+      </p:grpSpPr>
+      <p:sp>
+        <p:nvSpPr>
+          <p:cNvPr id="2" name="标题 1">
+            <a:extLst>
+              <a:ext uri="{FF2B5EF4-FFF2-40B4-BE49-F238E27FC236}">
+                <a16:creationId xmlns:a16="http://schemas.microsoft.com/office/drawing/2014/main" id="{79CB8C6F-4A6E-4AE7-817C-274CEB85BC8C}"/>
+              </a:ext>
+            </a:extLst>
+          </p:cNvPr>
+          <p:cNvSpPr>
+            <a:spLocks noGrp="1"/>
+          </p:cNvSpPr>
+          <p:nvPr>
+            <p:ph type="title"/>
+          </p:nvPr>
+        </p:nvSpPr>
+        <p:spPr/>
+        <p:txBody>
+          <a:bodyPr/>
+          <a:lstStyle/>
+          <a:p>
+            <a:r>
+              <a:rPr lang="zh-CN" altLang="en-US" dirty="0"/>
+              <a:t>还有一种阅读方式</a:t>
+            </a:r>
+            <a:r>
+              <a:rPr lang="en-US" altLang="zh-CN" dirty="0"/>
+              <a:t>——</a:t>
+            </a:r>
+            <a:endParaRPr lang="zh-CN" altLang="en-US" dirty="0"/>
+          </a:p>
+        </p:txBody>
+      </p:sp>
+      <p:sp>
+        <p:nvSpPr>
+          <p:cNvPr id="4" name="文本框 3">
+            <a:extLst>
+              <a:ext uri="{FF2B5EF4-FFF2-40B4-BE49-F238E27FC236}">
+                <a16:creationId xmlns:a16="http://schemas.microsoft.com/office/drawing/2014/main" id="{7588781C-4153-40AD-8319-A66AE19866D8}"/>
+              </a:ext>
+            </a:extLst>
+          </p:cNvPr>
+          <p:cNvSpPr txBox="1"/>
+          <p:nvPr/>
+        </p:nvSpPr>
+        <p:spPr>
+          <a:xfrm>
+            <a:off x="3539447" y="2280863"/>
+            <a:ext cx="3877985" cy="1569660"/>
+          </a:xfrm>
+          <a:prstGeom prst="rect">
+            <a:avLst/>
+          </a:prstGeom>
+          <a:noFill/>
+        </p:spPr>
+        <p:txBody>
+          <a:bodyPr wrap="none" rtlCol="0">
+            <a:spAutoFit/>
+          </a:bodyPr>
+          <a:lstStyle/>
+          <a:p>
+            <a:r>
+              <a:rPr lang="zh-CN" altLang="en-US" sz="9600" dirty="0"/>
+              <a:t>数字数</a:t>
+            </a:r>
+          </a:p>
+        </p:txBody>
+      </p:sp>
+    </p:spTree>
+    <p:extLst>
+      <p:ext uri="{BB962C8B-B14F-4D97-AF65-F5344CB8AC3E}">
+        <p14:creationId xmlns:p14="http://schemas.microsoft.com/office/powerpoint/2010/main" val="1147448204"/>
+      </p:ext>
+    </p:extLst>
+  </p:cSld>
+  <p:clrMapOvr>
+    <a:masterClrMapping/>
+  </p:clrMapOvr>
+  <p:timing>
+    <p:tnLst>
+      <p:par>
+        <p:cTn id="1" dur="indefinite" restart="never" nodeType="tmRoot">
+          <p:childTnLst>
+            <p:seq concurrent="1" nextAc="seek">
+              <p:cTn id="2" dur="indefinite" nodeType="mainSeq">
+                <p:childTnLst>
+                  <p:par>
+                    <p:cTn id="3" fill="hold">
+                      <p:stCondLst>
+                        <p:cond delay="indefinite"/>
+                      </p:stCondLst>
+                      <p:childTnLst>
+                        <p:par>
+                          <p:cTn id="4" fill="hold">
+                            <p:stCondLst>
+                              <p:cond delay="0"/>
+                            </p:stCondLst>
+                            <p:childTnLst>
+                              <p:par>
+                                <p:cTn id="5" presetID="31" presetClass="entr" presetSubtype="0" fill="hold" grpId="0" nodeType="clickEffect">
+                                  <p:stCondLst>
+                                    <p:cond delay="0"/>
+                                  </p:stCondLst>
+                                  <p:childTnLst>
+                                    <p:set>
+                                      <p:cBhvr>
+                                        <p:cTn id="6" dur="1" fill="hold">
+                                          <p:stCondLst>
+                                            <p:cond delay="0"/>
+                                          </p:stCondLst>
+                                        </p:cTn>
+                                        <p:tgtEl>
+                                          <p:spTgt spid="4"/>
+                                        </p:tgtEl>
+                                        <p:attrNameLst>
+                                          <p:attrName>style.visibility</p:attrName>
+                                        </p:attrNameLst>
+                                      </p:cBhvr>
+                                      <p:to>
+                                        <p:strVal val="visible"/>
+                                      </p:to>
+                                    </p:set>
+                                    <p:anim calcmode="lin" valueType="num">
+                                      <p:cBhvr>
+                                        <p:cTn id="7" dur="1000" fill="hold"/>
+                                        <p:tgtEl>
+                                          <p:spTgt spid="4"/>
+                                        </p:tgtEl>
+                                        <p:attrNameLst>
+                                          <p:attrName>ppt_w</p:attrName>
+                                        </p:attrNameLst>
+                                      </p:cBhvr>
+                                      <p:tavLst>
+                                        <p:tav tm="0">
+                                          <p:val>
+                                            <p:fltVal val="0"/>
+                                          </p:val>
+                                        </p:tav>
+                                        <p:tav tm="100000">
+                                          <p:val>
+                                            <p:strVal val="#ppt_w"/>
+                                          </p:val>
+                                        </p:tav>
+                                      </p:tavLst>
+                                    </p:anim>
+                                    <p:anim calcmode="lin" valueType="num">
+                                      <p:cBhvr>
+                                        <p:cTn id="8" dur="1000" fill="hold"/>
+                                        <p:tgtEl>
+                                          <p:spTgt spid="4"/>
+                                        </p:tgtEl>
+                                        <p:attrNameLst>
+                                          <p:attrName>ppt_h</p:attrName>
+                                        </p:attrNameLst>
+                                      </p:cBhvr>
+                                      <p:tavLst>
+                                        <p:tav tm="0">
+                                          <p:val>
+                                            <p:fltVal val="0"/>
+                                          </p:val>
+                                        </p:tav>
+                                        <p:tav tm="100000">
+                                          <p:val>
+                                            <p:strVal val="#ppt_h"/>
+                                          </p:val>
+                                        </p:tav>
+                                      </p:tavLst>
+                                    </p:anim>
+                                    <p:anim calcmode="lin" valueType="num">
+                                      <p:cBhvr>
+                                        <p:cTn id="9" dur="1000" fill="hold"/>
+                                        <p:tgtEl>
+                                          <p:spTgt spid="4"/>
+                                        </p:tgtEl>
+                                        <p:attrNameLst>
+                                          <p:attrName>style.rotation</p:attrName>
+                                        </p:attrNameLst>
+                                      </p:cBhvr>
+                                      <p:tavLst>
+                                        <p:tav tm="0">
+                                          <p:val>
+                                            <p:fltVal val="90"/>
+                                          </p:val>
+                                        </p:tav>
+                                        <p:tav tm="100000">
+                                          <p:val>
+                                            <p:fltVal val="0"/>
+                                          </p:val>
+                                        </p:tav>
+                                      </p:tavLst>
+                                    </p:anim>
+                                    <p:animEffect transition="in" filter="fade">
+                                      <p:cBhvr>
+                                        <p:cTn id="10" dur="1000"/>
+                                        <p:tgtEl>
+                                          <p:spTgt spid="4"/>
+                                        </p:tgtEl>
+                                      </p:cBhvr>
+                                    </p:animEffect>
+                                  </p:childTnLst>
+                                </p:cTn>
+                              </p:par>
+                            </p:childTnLst>
+                          </p:cTn>
+                        </p:par>
+                      </p:childTnLst>
+                    </p:cTn>
+                  </p:par>
+                </p:childTnLst>
+              </p:cTn>
+              <p:prevCondLst>
+                <p:cond evt="onPrev" delay="0">
+                  <p:tgtEl>
+                    <p:sldTgt/>
+                  </p:tgtEl>
+                </p:cond>
+              </p:prevCondLst>
+              <p:nextCondLst>
+                <p:cond evt="onNext" delay="0">
+                  <p:tgtEl>
+                    <p:sldTgt/>
+                  </p:tgtEl>
+                </p:cond>
+              </p:nextCondLst>
+            </p:seq>
+          </p:childTnLst>
+        </p:cTn>
+      </p:par>
+    </p:tnLst>
+    <p:bldLst>
+      <p:bldP spid="4" grpId="0"/>
+    </p:bldLst>
+  </p:timing>
+</p:sld>
+</file>
+
+<file path=ppt/slides/slide12.xml><?xml version="1.0" encoding="utf-8"?>
+<p:sld xmlns:a="http://schemas.openxmlformats.org/drawingml/2006/main" xmlns:r="http://schemas.openxmlformats.org/officeDocument/2006/relationships" xmlns:p="http://schemas.openxmlformats.org/presentationml/2006/main">
+  <p:cSld>
+    <p:spTree>
+      <p:nvGrpSpPr>
+        <p:cNvPr id="1" name=""/>
+        <p:cNvGrpSpPr/>
+        <p:nvPr/>
+      </p:nvGrpSpPr>
+      <p:grpSpPr>
+        <a:xfrm>
+          <a:off x="0" y="0"/>
+          <a:ext cx="0" cy="0"/>
+          <a:chOff x="0" y="0"/>
+          <a:chExt cx="0" cy="0"/>
+        </a:xfrm>
+      </p:grpSpPr>
+      <p:sp>
+        <p:nvSpPr>
+          <p:cNvPr id="5" name="文本框 4">
+            <a:extLst>
+              <a:ext uri="{FF2B5EF4-FFF2-40B4-BE49-F238E27FC236}">
+                <a16:creationId xmlns:a16="http://schemas.microsoft.com/office/drawing/2014/main" id="{8EB7C31F-1814-4B57-B983-0000A92C28A9}"/>
+              </a:ext>
+            </a:extLst>
+          </p:cNvPr>
+          <p:cNvSpPr txBox="1"/>
+          <p:nvPr/>
+        </p:nvSpPr>
+        <p:spPr>
+          <a:xfrm>
+            <a:off x="1376733" y="954308"/>
+            <a:ext cx="4006225" cy="523220"/>
+          </a:xfrm>
+          <a:prstGeom prst="rect">
+            <a:avLst/>
+          </a:prstGeom>
+          <a:noFill/>
+        </p:spPr>
+        <p:txBody>
+          <a:bodyPr wrap="none" rtlCol="0">
+            <a:spAutoFit/>
+          </a:bodyPr>
+          <a:lstStyle/>
+          <a:p>
+            <a:r>
+              <a:rPr lang="zh-CN" altLang="en-US" dirty="0"/>
+              <a:t>在地上一切走兽中可</a:t>
+            </a:r>
+            <a:r>
+              <a:rPr lang="zh-CN" altLang="en-US" sz="2800" b="1" dirty="0">
+                <a:solidFill>
+                  <a:srgbClr val="00B0F0"/>
+                </a:solidFill>
+              </a:rPr>
+              <a:t>吃</a:t>
+            </a:r>
+            <a:r>
+              <a:rPr lang="zh-CN" altLang="en-US" dirty="0"/>
+              <a:t>的乃是这些：</a:t>
+            </a:r>
+          </a:p>
+        </p:txBody>
+      </p:sp>
+      <p:sp>
+        <p:nvSpPr>
+          <p:cNvPr id="6" name="文本框 5">
+            <a:extLst>
+              <a:ext uri="{FF2B5EF4-FFF2-40B4-BE49-F238E27FC236}">
+                <a16:creationId xmlns:a16="http://schemas.microsoft.com/office/drawing/2014/main" id="{70C4DA56-9E0D-4975-ADC2-77A7E1103B87}"/>
+              </a:ext>
+            </a:extLst>
+          </p:cNvPr>
+          <p:cNvSpPr txBox="1"/>
+          <p:nvPr/>
+        </p:nvSpPr>
+        <p:spPr>
+          <a:xfrm>
+            <a:off x="5131937" y="954308"/>
+            <a:ext cx="4698722" cy="523220"/>
+          </a:xfrm>
+          <a:prstGeom prst="rect">
+            <a:avLst/>
+          </a:prstGeom>
+          <a:noFill/>
+        </p:spPr>
+        <p:txBody>
+          <a:bodyPr wrap="none" rtlCol="0">
+            <a:spAutoFit/>
+          </a:bodyPr>
+          <a:lstStyle/>
+          <a:p>
+            <a:r>
+              <a:rPr lang="zh-CN" altLang="en-US" dirty="0"/>
+              <a:t>凡蹄分两瓣、倒嚼的走兽，你们都可以</a:t>
+            </a:r>
+            <a:r>
+              <a:rPr lang="zh-CN" altLang="en-US" sz="2800" b="1" dirty="0">
+                <a:solidFill>
+                  <a:srgbClr val="00B0F0"/>
+                </a:solidFill>
+              </a:rPr>
+              <a:t>吃</a:t>
+            </a:r>
+            <a:r>
+              <a:rPr lang="zh-CN" altLang="en-US" dirty="0"/>
+              <a:t>。</a:t>
+            </a:r>
+          </a:p>
+        </p:txBody>
+      </p:sp>
+      <p:sp>
+        <p:nvSpPr>
+          <p:cNvPr id="7" name="文本框 6">
+            <a:extLst>
+              <a:ext uri="{FF2B5EF4-FFF2-40B4-BE49-F238E27FC236}">
+                <a16:creationId xmlns:a16="http://schemas.microsoft.com/office/drawing/2014/main" id="{0B57A903-1FE6-4171-9E97-14B12C40A239}"/>
+              </a:ext>
+            </a:extLst>
+          </p:cNvPr>
+          <p:cNvSpPr txBox="1"/>
+          <p:nvPr/>
+        </p:nvSpPr>
+        <p:spPr>
+          <a:xfrm>
+            <a:off x="1376732" y="1566618"/>
+            <a:ext cx="4006225" cy="523220"/>
+          </a:xfrm>
+          <a:prstGeom prst="rect">
+            <a:avLst/>
+          </a:prstGeom>
+          <a:noFill/>
+        </p:spPr>
+        <p:txBody>
+          <a:bodyPr wrap="none" rtlCol="0">
+            <a:spAutoFit/>
+          </a:bodyPr>
+          <a:lstStyle/>
+          <a:p>
+            <a:r>
+              <a:rPr lang="zh-CN" altLang="en-US" dirty="0"/>
+              <a:t>但那倒嚼或分蹄之中不可</a:t>
+            </a:r>
+            <a:r>
+              <a:rPr lang="zh-CN" altLang="en-US" sz="2800" b="1" dirty="0">
+                <a:solidFill>
+                  <a:srgbClr val="00B0F0"/>
+                </a:solidFill>
+              </a:rPr>
+              <a:t>吃</a:t>
+            </a:r>
+            <a:r>
+              <a:rPr lang="zh-CN" altLang="en-US" dirty="0"/>
+              <a:t>的乃是：</a:t>
+            </a:r>
+          </a:p>
+        </p:txBody>
+      </p:sp>
+      <p:sp>
+        <p:nvSpPr>
+          <p:cNvPr id="8" name="文本框 7">
+            <a:extLst>
+              <a:ext uri="{FF2B5EF4-FFF2-40B4-BE49-F238E27FC236}">
+                <a16:creationId xmlns:a16="http://schemas.microsoft.com/office/drawing/2014/main" id="{C71DB4DD-EE18-4383-8109-585DE773CB12}"/>
+              </a:ext>
+            </a:extLst>
+          </p:cNvPr>
+          <p:cNvSpPr txBox="1"/>
+          <p:nvPr/>
+        </p:nvSpPr>
+        <p:spPr>
+          <a:xfrm>
+            <a:off x="3178136" y="2233040"/>
+            <a:ext cx="4570482" cy="369332"/>
+          </a:xfrm>
+          <a:prstGeom prst="rect">
+            <a:avLst/>
+          </a:prstGeom>
+          <a:noFill/>
+        </p:spPr>
+        <p:txBody>
+          <a:bodyPr wrap="none" rtlCol="0">
+            <a:spAutoFit/>
+          </a:bodyPr>
+          <a:lstStyle/>
+          <a:p>
+            <a:r>
+              <a:rPr lang="zh-CN" altLang="en-US" dirty="0"/>
+              <a:t>骆驼－因为倒嚼不分蹄，就与你们不洁净；</a:t>
+            </a:r>
+          </a:p>
+        </p:txBody>
+      </p:sp>
+      <p:sp>
+        <p:nvSpPr>
+          <p:cNvPr id="9" name="文本框 8">
+            <a:extLst>
+              <a:ext uri="{FF2B5EF4-FFF2-40B4-BE49-F238E27FC236}">
+                <a16:creationId xmlns:a16="http://schemas.microsoft.com/office/drawing/2014/main" id="{07A30502-3700-4D33-A6CC-C9A082976DD3}"/>
+              </a:ext>
+            </a:extLst>
+          </p:cNvPr>
+          <p:cNvSpPr txBox="1"/>
+          <p:nvPr/>
+        </p:nvSpPr>
+        <p:spPr>
+          <a:xfrm>
+            <a:off x="3178136" y="2652837"/>
+            <a:ext cx="4570482" cy="369332"/>
+          </a:xfrm>
+          <a:prstGeom prst="rect">
+            <a:avLst/>
+          </a:prstGeom>
+          <a:noFill/>
+        </p:spPr>
+        <p:txBody>
+          <a:bodyPr wrap="none" rtlCol="0">
+            <a:spAutoFit/>
+          </a:bodyPr>
+          <a:lstStyle/>
+          <a:p>
+            <a:r>
+              <a:rPr lang="zh-CN" altLang="en-US" dirty="0"/>
+              <a:t>沙番－因为倒嚼不分蹄，就与你们不洁净；</a:t>
+            </a:r>
+          </a:p>
+        </p:txBody>
+      </p:sp>
+      <p:sp>
+        <p:nvSpPr>
+          <p:cNvPr id="10" name="文本框 9">
+            <a:extLst>
+              <a:ext uri="{FF2B5EF4-FFF2-40B4-BE49-F238E27FC236}">
+                <a16:creationId xmlns:a16="http://schemas.microsoft.com/office/drawing/2014/main" id="{C12D1BC8-DCBD-4725-A301-934321CA295C}"/>
+              </a:ext>
+            </a:extLst>
+          </p:cNvPr>
+          <p:cNvSpPr txBox="1"/>
+          <p:nvPr/>
+        </p:nvSpPr>
+        <p:spPr>
+          <a:xfrm>
+            <a:off x="3178136" y="3072634"/>
+            <a:ext cx="4570482" cy="369332"/>
+          </a:xfrm>
+          <a:prstGeom prst="rect">
+            <a:avLst/>
+          </a:prstGeom>
+          <a:noFill/>
+        </p:spPr>
+        <p:txBody>
+          <a:bodyPr wrap="none" rtlCol="0">
+            <a:spAutoFit/>
+          </a:bodyPr>
+          <a:lstStyle/>
+          <a:p>
+            <a:r>
+              <a:rPr lang="zh-CN" altLang="en-US" dirty="0"/>
+              <a:t>兔子－因为倒嚼不分蹄，就与你们不洁净；</a:t>
+            </a:r>
+          </a:p>
+        </p:txBody>
+      </p:sp>
+      <p:sp>
+        <p:nvSpPr>
+          <p:cNvPr id="11" name="文本框 10">
+            <a:extLst>
+              <a:ext uri="{FF2B5EF4-FFF2-40B4-BE49-F238E27FC236}">
+                <a16:creationId xmlns:a16="http://schemas.microsoft.com/office/drawing/2014/main" id="{5D82A758-3B4B-4CFC-946F-94BD99C9E5D8}"/>
+              </a:ext>
+            </a:extLst>
+          </p:cNvPr>
+          <p:cNvSpPr txBox="1"/>
+          <p:nvPr/>
+        </p:nvSpPr>
+        <p:spPr>
+          <a:xfrm>
+            <a:off x="3178136" y="3492431"/>
+            <a:ext cx="5262979" cy="369332"/>
+          </a:xfrm>
+          <a:prstGeom prst="rect">
+            <a:avLst/>
+          </a:prstGeom>
+          <a:noFill/>
+        </p:spPr>
+        <p:txBody>
+          <a:bodyPr wrap="none" rtlCol="0">
+            <a:spAutoFit/>
+          </a:bodyPr>
+          <a:lstStyle/>
+          <a:p>
+            <a:r>
+              <a:rPr lang="zh-CN" altLang="en-US" dirty="0"/>
+              <a:t>猪－因为蹄分两瓣，却不倒嚼，就与你们不洁净。</a:t>
+            </a:r>
+          </a:p>
+        </p:txBody>
+      </p:sp>
+      <p:sp>
+        <p:nvSpPr>
+          <p:cNvPr id="13" name="文本框 12">
+            <a:extLst>
+              <a:ext uri="{FF2B5EF4-FFF2-40B4-BE49-F238E27FC236}">
+                <a16:creationId xmlns:a16="http://schemas.microsoft.com/office/drawing/2014/main" id="{FB4E9B97-A310-4FAD-B649-5AFC32219CDA}"/>
+              </a:ext>
+            </a:extLst>
+          </p:cNvPr>
+          <p:cNvSpPr txBox="1"/>
+          <p:nvPr/>
+        </p:nvSpPr>
+        <p:spPr>
+          <a:xfrm>
+            <a:off x="1376732" y="4098142"/>
+            <a:ext cx="6776214" cy="523220"/>
+          </a:xfrm>
+          <a:prstGeom prst="rect">
+            <a:avLst/>
+          </a:prstGeom>
+          <a:noFill/>
+        </p:spPr>
+        <p:txBody>
+          <a:bodyPr wrap="none" rtlCol="0">
+            <a:spAutoFit/>
+          </a:bodyPr>
+          <a:lstStyle/>
+          <a:p>
+            <a:r>
+              <a:rPr lang="zh-CN" altLang="en-US" dirty="0"/>
+              <a:t>这些兽的肉，你们不可</a:t>
+            </a:r>
+            <a:r>
+              <a:rPr lang="zh-CN" altLang="en-US" sz="2800" b="1" dirty="0">
+                <a:solidFill>
+                  <a:srgbClr val="00B0F0"/>
+                </a:solidFill>
+              </a:rPr>
+              <a:t>吃</a:t>
+            </a:r>
+            <a:r>
+              <a:rPr lang="zh-CN" altLang="en-US" dirty="0"/>
+              <a:t>；死的，你们不可摸，都与你们不洁净</a:t>
+            </a:r>
+          </a:p>
+        </p:txBody>
+      </p:sp>
+    </p:spTree>
+    <p:extLst>
+      <p:ext uri="{BB962C8B-B14F-4D97-AF65-F5344CB8AC3E}">
+        <p14:creationId xmlns:p14="http://schemas.microsoft.com/office/powerpoint/2010/main" val="2899578920"/>
+      </p:ext>
+    </p:extLst>
+  </p:cSld>
+  <p:clrMapOvr>
+    <a:masterClrMapping/>
+  </p:clrMapOvr>
+</p:sld>
+</file>
+
+<file path=ppt/slides/slide13.xml><?xml version="1.0" encoding="utf-8"?>
+<p:sld xmlns:a="http://schemas.openxmlformats.org/drawingml/2006/main" xmlns:r="http://schemas.openxmlformats.org/officeDocument/2006/relationships" xmlns:p="http://schemas.openxmlformats.org/presentationml/2006/main">
+  <p:cSld>
+    <p:spTree>
+      <p:nvGrpSpPr>
+        <p:cNvPr id="1" name=""/>
+        <p:cNvGrpSpPr/>
+        <p:nvPr/>
+      </p:nvGrpSpPr>
+      <p:grpSpPr>
+        <a:xfrm>
+          <a:off x="0" y="0"/>
+          <a:ext cx="0" cy="0"/>
+          <a:chOff x="0" y="0"/>
+          <a:chExt cx="0" cy="0"/>
+        </a:xfrm>
+      </p:grpSpPr>
+      <p:sp>
+        <p:nvSpPr>
+          <p:cNvPr id="5" name="文本框 4">
+            <a:extLst>
+              <a:ext uri="{FF2B5EF4-FFF2-40B4-BE49-F238E27FC236}">
+                <a16:creationId xmlns:a16="http://schemas.microsoft.com/office/drawing/2014/main" id="{8EB7C31F-1814-4B57-B983-0000A92C28A9}"/>
+              </a:ext>
+            </a:extLst>
+          </p:cNvPr>
+          <p:cNvSpPr txBox="1"/>
+          <p:nvPr/>
+        </p:nvSpPr>
+        <p:spPr>
+          <a:xfrm>
+            <a:off x="1376733" y="954308"/>
+            <a:ext cx="4006225" cy="523220"/>
+          </a:xfrm>
+          <a:prstGeom prst="rect">
+            <a:avLst/>
+          </a:prstGeom>
+          <a:noFill/>
+        </p:spPr>
+        <p:txBody>
+          <a:bodyPr wrap="none" rtlCol="0">
+            <a:spAutoFit/>
+          </a:bodyPr>
+          <a:lstStyle/>
+          <a:p>
+            <a:r>
+              <a:rPr lang="zh-CN" altLang="en-US" dirty="0"/>
+              <a:t>在地上一切走兽中可</a:t>
+            </a:r>
+            <a:r>
+              <a:rPr lang="zh-CN" altLang="en-US" sz="2800" b="1" dirty="0">
+                <a:solidFill>
+                  <a:srgbClr val="00B0F0"/>
+                </a:solidFill>
+              </a:rPr>
+              <a:t>吃</a:t>
+            </a:r>
+            <a:r>
+              <a:rPr lang="zh-CN" altLang="en-US" dirty="0"/>
+              <a:t>的乃是这些：</a:t>
+            </a:r>
+          </a:p>
+        </p:txBody>
+      </p:sp>
+      <p:sp>
+        <p:nvSpPr>
+          <p:cNvPr id="6" name="文本框 5">
+            <a:extLst>
+              <a:ext uri="{FF2B5EF4-FFF2-40B4-BE49-F238E27FC236}">
+                <a16:creationId xmlns:a16="http://schemas.microsoft.com/office/drawing/2014/main" id="{70C4DA56-9E0D-4975-ADC2-77A7E1103B87}"/>
+              </a:ext>
+            </a:extLst>
+          </p:cNvPr>
+          <p:cNvSpPr txBox="1"/>
+          <p:nvPr/>
+        </p:nvSpPr>
+        <p:spPr>
+          <a:xfrm>
+            <a:off x="5131937" y="954308"/>
+            <a:ext cx="4698722" cy="523220"/>
+          </a:xfrm>
+          <a:prstGeom prst="rect">
+            <a:avLst/>
+          </a:prstGeom>
+          <a:noFill/>
+        </p:spPr>
+        <p:txBody>
+          <a:bodyPr wrap="none" rtlCol="0">
+            <a:spAutoFit/>
+          </a:bodyPr>
+          <a:lstStyle/>
+          <a:p>
+            <a:r>
+              <a:rPr lang="zh-CN" altLang="en-US" dirty="0"/>
+              <a:t>凡蹄分两瓣、倒嚼的走兽，你们都可以</a:t>
+            </a:r>
+            <a:r>
+              <a:rPr lang="zh-CN" altLang="en-US" sz="2800" b="1" dirty="0">
+                <a:solidFill>
+                  <a:srgbClr val="00B0F0"/>
+                </a:solidFill>
+              </a:rPr>
+              <a:t>吃</a:t>
+            </a:r>
+            <a:r>
+              <a:rPr lang="zh-CN" altLang="en-US" dirty="0"/>
+              <a:t>。</a:t>
+            </a:r>
+          </a:p>
+        </p:txBody>
+      </p:sp>
+      <p:sp>
+        <p:nvSpPr>
+          <p:cNvPr id="7" name="文本框 6">
+            <a:extLst>
+              <a:ext uri="{FF2B5EF4-FFF2-40B4-BE49-F238E27FC236}">
+                <a16:creationId xmlns:a16="http://schemas.microsoft.com/office/drawing/2014/main" id="{0B57A903-1FE6-4171-9E97-14B12C40A239}"/>
+              </a:ext>
+            </a:extLst>
+          </p:cNvPr>
+          <p:cNvSpPr txBox="1"/>
+          <p:nvPr/>
+        </p:nvSpPr>
+        <p:spPr>
+          <a:xfrm>
+            <a:off x="1376732" y="1566618"/>
+            <a:ext cx="4006225" cy="523220"/>
+          </a:xfrm>
+          <a:prstGeom prst="rect">
+            <a:avLst/>
+          </a:prstGeom>
+          <a:noFill/>
+        </p:spPr>
+        <p:txBody>
+          <a:bodyPr wrap="none" rtlCol="0">
+            <a:spAutoFit/>
+          </a:bodyPr>
+          <a:lstStyle/>
+          <a:p>
+            <a:r>
+              <a:rPr lang="zh-CN" altLang="en-US" dirty="0"/>
+              <a:t>但那倒嚼或分蹄之中不可</a:t>
+            </a:r>
+            <a:r>
+              <a:rPr lang="zh-CN" altLang="en-US" sz="2800" b="1" dirty="0">
+                <a:solidFill>
+                  <a:srgbClr val="00B0F0"/>
+                </a:solidFill>
+              </a:rPr>
+              <a:t>吃</a:t>
+            </a:r>
+            <a:r>
+              <a:rPr lang="zh-CN" altLang="en-US" dirty="0"/>
+              <a:t>的乃是：</a:t>
+            </a:r>
+          </a:p>
+        </p:txBody>
+      </p:sp>
+      <p:sp>
+        <p:nvSpPr>
+          <p:cNvPr id="8" name="文本框 7">
+            <a:extLst>
+              <a:ext uri="{FF2B5EF4-FFF2-40B4-BE49-F238E27FC236}">
+                <a16:creationId xmlns:a16="http://schemas.microsoft.com/office/drawing/2014/main" id="{C71DB4DD-EE18-4383-8109-585DE773CB12}"/>
+              </a:ext>
+            </a:extLst>
+          </p:cNvPr>
+          <p:cNvSpPr txBox="1"/>
+          <p:nvPr/>
+        </p:nvSpPr>
+        <p:spPr>
+          <a:xfrm>
+            <a:off x="3178136" y="2106428"/>
+            <a:ext cx="4955203" cy="523220"/>
+          </a:xfrm>
+          <a:prstGeom prst="rect">
+            <a:avLst/>
+          </a:prstGeom>
+          <a:noFill/>
+        </p:spPr>
+        <p:txBody>
+          <a:bodyPr wrap="none" rtlCol="0">
+            <a:spAutoFit/>
+          </a:bodyPr>
+          <a:lstStyle/>
+          <a:p>
+            <a:r>
+              <a:rPr lang="zh-CN" altLang="en-US" dirty="0"/>
+              <a:t>骆驼－因为倒嚼不分蹄，就与你们</a:t>
+            </a:r>
+            <a:r>
+              <a:rPr lang="zh-CN" altLang="en-US" sz="2800" b="1" dirty="0">
+                <a:solidFill>
+                  <a:srgbClr val="FF0000"/>
+                </a:solidFill>
+              </a:rPr>
+              <a:t>不洁净</a:t>
+            </a:r>
+            <a:r>
+              <a:rPr lang="zh-CN" altLang="en-US" dirty="0"/>
+              <a:t>；</a:t>
+            </a:r>
+          </a:p>
+        </p:txBody>
+      </p:sp>
+      <p:sp>
+        <p:nvSpPr>
+          <p:cNvPr id="9" name="文本框 8">
+            <a:extLst>
+              <a:ext uri="{FF2B5EF4-FFF2-40B4-BE49-F238E27FC236}">
+                <a16:creationId xmlns:a16="http://schemas.microsoft.com/office/drawing/2014/main" id="{07A30502-3700-4D33-A6CC-C9A082976DD3}"/>
+              </a:ext>
+            </a:extLst>
+          </p:cNvPr>
+          <p:cNvSpPr txBox="1"/>
+          <p:nvPr/>
+        </p:nvSpPr>
+        <p:spPr>
+          <a:xfrm>
+            <a:off x="3178135" y="2579065"/>
+            <a:ext cx="4955203" cy="523220"/>
+          </a:xfrm>
+          <a:prstGeom prst="rect">
+            <a:avLst/>
+          </a:prstGeom>
+          <a:noFill/>
+        </p:spPr>
+        <p:txBody>
+          <a:bodyPr wrap="none" rtlCol="0">
+            <a:spAutoFit/>
+          </a:bodyPr>
+          <a:lstStyle/>
+          <a:p>
+            <a:r>
+              <a:rPr lang="zh-CN" altLang="en-US" dirty="0"/>
+              <a:t>沙番－因为倒嚼不分蹄，就与你们</a:t>
+            </a:r>
+            <a:r>
+              <a:rPr lang="zh-CN" altLang="en-US" sz="2800" b="1" dirty="0">
+                <a:solidFill>
+                  <a:srgbClr val="FF0000"/>
+                </a:solidFill>
+              </a:rPr>
+              <a:t>不洁净</a:t>
+            </a:r>
+            <a:r>
+              <a:rPr lang="zh-CN" altLang="en-US" dirty="0"/>
+              <a:t>；</a:t>
+            </a:r>
+          </a:p>
+        </p:txBody>
+      </p:sp>
+      <p:sp>
+        <p:nvSpPr>
+          <p:cNvPr id="10" name="文本框 9">
+            <a:extLst>
+              <a:ext uri="{FF2B5EF4-FFF2-40B4-BE49-F238E27FC236}">
+                <a16:creationId xmlns:a16="http://schemas.microsoft.com/office/drawing/2014/main" id="{C12D1BC8-DCBD-4725-A301-934321CA295C}"/>
+              </a:ext>
+            </a:extLst>
+          </p:cNvPr>
+          <p:cNvSpPr txBox="1"/>
+          <p:nvPr/>
+        </p:nvSpPr>
+        <p:spPr>
+          <a:xfrm>
+            <a:off x="3178136" y="3050574"/>
+            <a:ext cx="4955203" cy="523220"/>
+          </a:xfrm>
+          <a:prstGeom prst="rect">
+            <a:avLst/>
+          </a:prstGeom>
+          <a:noFill/>
+        </p:spPr>
+        <p:txBody>
+          <a:bodyPr wrap="none" rtlCol="0">
+            <a:spAutoFit/>
+          </a:bodyPr>
+          <a:lstStyle/>
+          <a:p>
+            <a:r>
+              <a:rPr lang="zh-CN" altLang="en-US" dirty="0"/>
+              <a:t>兔子－因为倒嚼不分蹄，就与你们</a:t>
+            </a:r>
+            <a:r>
+              <a:rPr lang="zh-CN" altLang="en-US" sz="2800" b="1" dirty="0">
+                <a:solidFill>
+                  <a:srgbClr val="FF0000"/>
+                </a:solidFill>
+              </a:rPr>
+              <a:t>不洁净</a:t>
+            </a:r>
+            <a:r>
+              <a:rPr lang="zh-CN" altLang="en-US" dirty="0"/>
+              <a:t>；</a:t>
+            </a:r>
+          </a:p>
+        </p:txBody>
+      </p:sp>
+      <p:sp>
+        <p:nvSpPr>
+          <p:cNvPr id="11" name="文本框 10">
+            <a:extLst>
+              <a:ext uri="{FF2B5EF4-FFF2-40B4-BE49-F238E27FC236}">
+                <a16:creationId xmlns:a16="http://schemas.microsoft.com/office/drawing/2014/main" id="{5D82A758-3B4B-4CFC-946F-94BD99C9E5D8}"/>
+              </a:ext>
+            </a:extLst>
+          </p:cNvPr>
+          <p:cNvSpPr txBox="1"/>
+          <p:nvPr/>
+        </p:nvSpPr>
+        <p:spPr>
+          <a:xfrm>
+            <a:off x="3178135" y="3558332"/>
+            <a:ext cx="5647700" cy="523220"/>
+          </a:xfrm>
+          <a:prstGeom prst="rect">
+            <a:avLst/>
+          </a:prstGeom>
+          <a:noFill/>
+        </p:spPr>
+        <p:txBody>
+          <a:bodyPr wrap="none" rtlCol="0">
+            <a:spAutoFit/>
+          </a:bodyPr>
+          <a:lstStyle/>
+          <a:p>
+            <a:r>
+              <a:rPr lang="zh-CN" altLang="en-US" dirty="0"/>
+              <a:t>猪－因为蹄分两瓣，却不倒嚼，就与你们</a:t>
+            </a:r>
+            <a:r>
+              <a:rPr lang="zh-CN" altLang="en-US" sz="2800" b="1" dirty="0">
+                <a:solidFill>
+                  <a:srgbClr val="FF0000"/>
+                </a:solidFill>
+              </a:rPr>
+              <a:t>不洁净</a:t>
+            </a:r>
+            <a:r>
+              <a:rPr lang="zh-CN" altLang="en-US" dirty="0"/>
+              <a:t>。</a:t>
+            </a:r>
+          </a:p>
+        </p:txBody>
+      </p:sp>
+      <p:sp>
+        <p:nvSpPr>
+          <p:cNvPr id="13" name="文本框 12">
+            <a:extLst>
+              <a:ext uri="{FF2B5EF4-FFF2-40B4-BE49-F238E27FC236}">
+                <a16:creationId xmlns:a16="http://schemas.microsoft.com/office/drawing/2014/main" id="{FB4E9B97-A310-4FAD-B649-5AFC32219CDA}"/>
+              </a:ext>
+            </a:extLst>
+          </p:cNvPr>
+          <p:cNvSpPr txBox="1"/>
+          <p:nvPr/>
+        </p:nvSpPr>
+        <p:spPr>
+          <a:xfrm>
+            <a:off x="1376732" y="4098142"/>
+            <a:ext cx="7160935" cy="523220"/>
+          </a:xfrm>
+          <a:prstGeom prst="rect">
+            <a:avLst/>
+          </a:prstGeom>
+          <a:noFill/>
+        </p:spPr>
+        <p:txBody>
+          <a:bodyPr wrap="none" rtlCol="0">
+            <a:spAutoFit/>
+          </a:bodyPr>
+          <a:lstStyle/>
+          <a:p>
+            <a:r>
+              <a:rPr lang="zh-CN" altLang="en-US" dirty="0"/>
+              <a:t>这些兽的肉，你们不可</a:t>
+            </a:r>
+            <a:r>
+              <a:rPr lang="zh-CN" altLang="en-US" sz="2800" b="1" dirty="0">
+                <a:solidFill>
+                  <a:srgbClr val="00B0F0"/>
+                </a:solidFill>
+              </a:rPr>
+              <a:t>吃</a:t>
+            </a:r>
+            <a:r>
+              <a:rPr lang="zh-CN" altLang="en-US" dirty="0"/>
+              <a:t>；死的，你们不可摸，都与你们</a:t>
+            </a:r>
+            <a:r>
+              <a:rPr lang="zh-CN" altLang="en-US" sz="2800" b="1" dirty="0">
+                <a:solidFill>
+                  <a:srgbClr val="FF0000"/>
+                </a:solidFill>
+              </a:rPr>
+              <a:t>不洁净</a:t>
+            </a:r>
+          </a:p>
+        </p:txBody>
+      </p:sp>
+    </p:spTree>
+    <p:extLst>
+      <p:ext uri="{BB962C8B-B14F-4D97-AF65-F5344CB8AC3E}">
+        <p14:creationId xmlns:p14="http://schemas.microsoft.com/office/powerpoint/2010/main" val="338298680"/>
+      </p:ext>
+    </p:extLst>
+  </p:cSld>
+  <p:clrMapOvr>
+    <a:masterClrMapping/>
+  </p:clrMapOvr>
+</p:sld>
+</file>
+
+<file path=ppt/slides/slide14.xml><?xml version="1.0" encoding="utf-8"?>
+<p:sld xmlns:a="http://schemas.openxmlformats.org/drawingml/2006/main" xmlns:r="http://schemas.openxmlformats.org/officeDocument/2006/relationships" xmlns:p="http://schemas.openxmlformats.org/presentationml/2006/main">
+  <p:cSld>
+    <p:spTree>
+      <p:nvGrpSpPr>
+        <p:cNvPr id="1" name=""/>
+        <p:cNvGrpSpPr/>
+        <p:nvPr/>
+      </p:nvGrpSpPr>
+      <p:grpSpPr>
+        <a:xfrm>
+          <a:off x="0" y="0"/>
+          <a:ext cx="0" cy="0"/>
+          <a:chOff x="0" y="0"/>
+          <a:chExt cx="0" cy="0"/>
+        </a:xfrm>
+      </p:grpSpPr>
+      <p:sp>
+        <p:nvSpPr>
+          <p:cNvPr id="5" name="文本框 4">
+            <a:extLst>
+              <a:ext uri="{FF2B5EF4-FFF2-40B4-BE49-F238E27FC236}">
+                <a16:creationId xmlns:a16="http://schemas.microsoft.com/office/drawing/2014/main" id="{8EB7C31F-1814-4B57-B983-0000A92C28A9}"/>
+              </a:ext>
+            </a:extLst>
+          </p:cNvPr>
+          <p:cNvSpPr txBox="1"/>
+          <p:nvPr/>
+        </p:nvSpPr>
+        <p:spPr>
+          <a:xfrm>
+            <a:off x="1376733" y="954308"/>
+            <a:ext cx="4006225" cy="523220"/>
+          </a:xfrm>
+          <a:prstGeom prst="rect">
+            <a:avLst/>
+          </a:prstGeom>
+          <a:noFill/>
+        </p:spPr>
+        <p:txBody>
+          <a:bodyPr wrap="none" rtlCol="0">
+            <a:spAutoFit/>
+          </a:bodyPr>
+          <a:lstStyle/>
+          <a:p>
+            <a:r>
+              <a:rPr lang="zh-CN" altLang="en-US" dirty="0"/>
+              <a:t>在地上一切走兽中可</a:t>
+            </a:r>
+            <a:r>
+              <a:rPr lang="zh-CN" altLang="en-US" sz="2800" b="1" dirty="0">
+                <a:solidFill>
+                  <a:srgbClr val="00B0F0"/>
+                </a:solidFill>
+              </a:rPr>
+              <a:t>吃</a:t>
+            </a:r>
+            <a:r>
+              <a:rPr lang="zh-CN" altLang="en-US" dirty="0"/>
+              <a:t>的乃是这些：</a:t>
+            </a:r>
+          </a:p>
+        </p:txBody>
+      </p:sp>
+      <p:sp>
+        <p:nvSpPr>
+          <p:cNvPr id="6" name="文本框 5">
+            <a:extLst>
+              <a:ext uri="{FF2B5EF4-FFF2-40B4-BE49-F238E27FC236}">
+                <a16:creationId xmlns:a16="http://schemas.microsoft.com/office/drawing/2014/main" id="{70C4DA56-9E0D-4975-ADC2-77A7E1103B87}"/>
+              </a:ext>
+            </a:extLst>
+          </p:cNvPr>
+          <p:cNvSpPr txBox="1"/>
+          <p:nvPr/>
+        </p:nvSpPr>
+        <p:spPr>
+          <a:xfrm>
+            <a:off x="5131937" y="954308"/>
+            <a:ext cx="5596404" cy="523220"/>
+          </a:xfrm>
+          <a:prstGeom prst="rect">
+            <a:avLst/>
+          </a:prstGeom>
+          <a:noFill/>
+        </p:spPr>
+        <p:txBody>
+          <a:bodyPr wrap="none" rtlCol="0">
+            <a:spAutoFit/>
+          </a:bodyPr>
+          <a:lstStyle/>
+          <a:p>
+            <a:r>
+              <a:rPr lang="zh-CN" altLang="en-US" dirty="0"/>
+              <a:t>凡</a:t>
+            </a:r>
+            <a:r>
+              <a:rPr lang="zh-CN" altLang="en-US" sz="2800" b="1" dirty="0">
+                <a:solidFill>
+                  <a:schemeClr val="accent6"/>
+                </a:solidFill>
+              </a:rPr>
+              <a:t>蹄分两瓣、倒嚼</a:t>
+            </a:r>
+            <a:r>
+              <a:rPr lang="zh-CN" altLang="en-US" dirty="0"/>
+              <a:t>的走兽，你们都可以</a:t>
+            </a:r>
+            <a:r>
+              <a:rPr lang="zh-CN" altLang="en-US" sz="2800" b="1" dirty="0">
+                <a:solidFill>
+                  <a:srgbClr val="00B0F0"/>
+                </a:solidFill>
+              </a:rPr>
+              <a:t>吃</a:t>
+            </a:r>
+            <a:r>
+              <a:rPr lang="zh-CN" altLang="en-US" dirty="0"/>
+              <a:t>。</a:t>
+            </a:r>
+          </a:p>
+        </p:txBody>
+      </p:sp>
+      <p:sp>
+        <p:nvSpPr>
+          <p:cNvPr id="7" name="文本框 6">
+            <a:extLst>
+              <a:ext uri="{FF2B5EF4-FFF2-40B4-BE49-F238E27FC236}">
+                <a16:creationId xmlns:a16="http://schemas.microsoft.com/office/drawing/2014/main" id="{0B57A903-1FE6-4171-9E97-14B12C40A239}"/>
+              </a:ext>
+            </a:extLst>
+          </p:cNvPr>
+          <p:cNvSpPr txBox="1"/>
+          <p:nvPr/>
+        </p:nvSpPr>
+        <p:spPr>
+          <a:xfrm>
+            <a:off x="1376732" y="1566618"/>
+            <a:ext cx="4647426" cy="523220"/>
+          </a:xfrm>
+          <a:prstGeom prst="rect">
+            <a:avLst/>
+          </a:prstGeom>
+          <a:noFill/>
+        </p:spPr>
+        <p:txBody>
+          <a:bodyPr wrap="none" rtlCol="0">
+            <a:spAutoFit/>
+          </a:bodyPr>
+          <a:lstStyle/>
+          <a:p>
+            <a:r>
+              <a:rPr lang="zh-CN" altLang="en-US" dirty="0"/>
+              <a:t>但那</a:t>
+            </a:r>
+            <a:r>
+              <a:rPr lang="zh-CN" altLang="en-US" sz="2800" b="1" dirty="0">
+                <a:solidFill>
+                  <a:schemeClr val="accent6"/>
+                </a:solidFill>
+              </a:rPr>
+              <a:t>倒嚼或分蹄</a:t>
+            </a:r>
+            <a:r>
+              <a:rPr lang="zh-CN" altLang="en-US" dirty="0"/>
+              <a:t>之中不可</a:t>
+            </a:r>
+            <a:r>
+              <a:rPr lang="zh-CN" altLang="en-US" sz="2800" b="1" dirty="0">
+                <a:solidFill>
+                  <a:srgbClr val="00B0F0"/>
+                </a:solidFill>
+              </a:rPr>
+              <a:t>吃</a:t>
+            </a:r>
+            <a:r>
+              <a:rPr lang="zh-CN" altLang="en-US" dirty="0"/>
+              <a:t>的乃是：</a:t>
+            </a:r>
+          </a:p>
+        </p:txBody>
+      </p:sp>
+      <p:sp>
+        <p:nvSpPr>
+          <p:cNvPr id="8" name="文本框 7">
+            <a:extLst>
+              <a:ext uri="{FF2B5EF4-FFF2-40B4-BE49-F238E27FC236}">
+                <a16:creationId xmlns:a16="http://schemas.microsoft.com/office/drawing/2014/main" id="{C71DB4DD-EE18-4383-8109-585DE773CB12}"/>
+              </a:ext>
+            </a:extLst>
+          </p:cNvPr>
+          <p:cNvSpPr txBox="1"/>
+          <p:nvPr/>
+        </p:nvSpPr>
+        <p:spPr>
+          <a:xfrm>
+            <a:off x="3178136" y="2106428"/>
+            <a:ext cx="5596404" cy="523220"/>
+          </a:xfrm>
+          <a:prstGeom prst="rect">
+            <a:avLst/>
+          </a:prstGeom>
+          <a:noFill/>
+        </p:spPr>
+        <p:txBody>
+          <a:bodyPr wrap="none" rtlCol="0">
+            <a:spAutoFit/>
+          </a:bodyPr>
+          <a:lstStyle/>
+          <a:p>
+            <a:r>
+              <a:rPr lang="zh-CN" altLang="en-US" dirty="0"/>
+              <a:t>骆驼－因为</a:t>
+            </a:r>
+            <a:r>
+              <a:rPr lang="zh-CN" altLang="en-US" sz="2800" b="1" dirty="0">
+                <a:solidFill>
+                  <a:schemeClr val="accent6"/>
+                </a:solidFill>
+              </a:rPr>
+              <a:t>倒嚼不分蹄</a:t>
+            </a:r>
+            <a:r>
+              <a:rPr lang="zh-CN" altLang="en-US" dirty="0"/>
+              <a:t>，就与你们</a:t>
+            </a:r>
+            <a:r>
+              <a:rPr lang="zh-CN" altLang="en-US" sz="2800" b="1" dirty="0">
+                <a:solidFill>
+                  <a:srgbClr val="FF0000"/>
+                </a:solidFill>
+              </a:rPr>
+              <a:t>不洁净</a:t>
+            </a:r>
+            <a:r>
+              <a:rPr lang="zh-CN" altLang="en-US" dirty="0"/>
+              <a:t>；</a:t>
+            </a:r>
+          </a:p>
+        </p:txBody>
+      </p:sp>
+      <p:sp>
+        <p:nvSpPr>
+          <p:cNvPr id="9" name="文本框 8">
+            <a:extLst>
+              <a:ext uri="{FF2B5EF4-FFF2-40B4-BE49-F238E27FC236}">
+                <a16:creationId xmlns:a16="http://schemas.microsoft.com/office/drawing/2014/main" id="{07A30502-3700-4D33-A6CC-C9A082976DD3}"/>
+              </a:ext>
+            </a:extLst>
+          </p:cNvPr>
+          <p:cNvSpPr txBox="1"/>
+          <p:nvPr/>
+        </p:nvSpPr>
+        <p:spPr>
+          <a:xfrm>
+            <a:off x="3178135" y="2579065"/>
+            <a:ext cx="5596404" cy="523220"/>
+          </a:xfrm>
+          <a:prstGeom prst="rect">
+            <a:avLst/>
+          </a:prstGeom>
+          <a:noFill/>
+        </p:spPr>
+        <p:txBody>
+          <a:bodyPr wrap="none" rtlCol="0">
+            <a:spAutoFit/>
+          </a:bodyPr>
+          <a:lstStyle/>
+          <a:p>
+            <a:r>
+              <a:rPr lang="zh-CN" altLang="en-US" dirty="0"/>
+              <a:t>沙番－因为</a:t>
+            </a:r>
+            <a:r>
+              <a:rPr lang="zh-CN" altLang="en-US" sz="2800" b="1" dirty="0">
+                <a:solidFill>
+                  <a:schemeClr val="accent6"/>
+                </a:solidFill>
+              </a:rPr>
+              <a:t>倒嚼不分蹄</a:t>
+            </a:r>
+            <a:r>
+              <a:rPr lang="zh-CN" altLang="en-US" dirty="0"/>
+              <a:t>，就与你们</a:t>
+            </a:r>
+            <a:r>
+              <a:rPr lang="zh-CN" altLang="en-US" sz="2800" b="1" dirty="0">
+                <a:solidFill>
+                  <a:srgbClr val="FF0000"/>
+                </a:solidFill>
+              </a:rPr>
+              <a:t>不洁净</a:t>
+            </a:r>
+            <a:r>
+              <a:rPr lang="zh-CN" altLang="en-US" dirty="0"/>
+              <a:t>；</a:t>
+            </a:r>
+          </a:p>
+        </p:txBody>
+      </p:sp>
+      <p:sp>
+        <p:nvSpPr>
+          <p:cNvPr id="10" name="文本框 9">
+            <a:extLst>
+              <a:ext uri="{FF2B5EF4-FFF2-40B4-BE49-F238E27FC236}">
+                <a16:creationId xmlns:a16="http://schemas.microsoft.com/office/drawing/2014/main" id="{C12D1BC8-DCBD-4725-A301-934321CA295C}"/>
+              </a:ext>
+            </a:extLst>
+          </p:cNvPr>
+          <p:cNvSpPr txBox="1"/>
+          <p:nvPr/>
+        </p:nvSpPr>
+        <p:spPr>
+          <a:xfrm>
+            <a:off x="3178136" y="3050574"/>
+            <a:ext cx="5596404" cy="523220"/>
+          </a:xfrm>
+          <a:prstGeom prst="rect">
+            <a:avLst/>
+          </a:prstGeom>
+          <a:noFill/>
+        </p:spPr>
+        <p:txBody>
+          <a:bodyPr wrap="none" rtlCol="0">
+            <a:spAutoFit/>
+          </a:bodyPr>
+          <a:lstStyle/>
+          <a:p>
+            <a:r>
+              <a:rPr lang="zh-CN" altLang="en-US" dirty="0"/>
+              <a:t>兔子－因为</a:t>
+            </a:r>
+            <a:r>
+              <a:rPr lang="zh-CN" altLang="en-US" sz="2800" b="1" dirty="0">
+                <a:solidFill>
+                  <a:schemeClr val="accent6"/>
+                </a:solidFill>
+              </a:rPr>
+              <a:t>倒嚼不分蹄</a:t>
+            </a:r>
+            <a:r>
+              <a:rPr lang="zh-CN" altLang="en-US" dirty="0"/>
+              <a:t>，就与你们</a:t>
+            </a:r>
+            <a:r>
+              <a:rPr lang="zh-CN" altLang="en-US" sz="2800" b="1" dirty="0">
+                <a:solidFill>
+                  <a:srgbClr val="FF0000"/>
+                </a:solidFill>
+              </a:rPr>
+              <a:t>不洁净</a:t>
+            </a:r>
+            <a:r>
+              <a:rPr lang="zh-CN" altLang="en-US" dirty="0"/>
+              <a:t>；</a:t>
+            </a:r>
+          </a:p>
+        </p:txBody>
+      </p:sp>
+      <p:sp>
+        <p:nvSpPr>
+          <p:cNvPr id="11" name="文本框 10">
+            <a:extLst>
+              <a:ext uri="{FF2B5EF4-FFF2-40B4-BE49-F238E27FC236}">
+                <a16:creationId xmlns:a16="http://schemas.microsoft.com/office/drawing/2014/main" id="{5D82A758-3B4B-4CFC-946F-94BD99C9E5D8}"/>
+              </a:ext>
+            </a:extLst>
+          </p:cNvPr>
+          <p:cNvSpPr txBox="1"/>
+          <p:nvPr/>
+        </p:nvSpPr>
+        <p:spPr>
+          <a:xfrm>
+            <a:off x="3178135" y="3558332"/>
+            <a:ext cx="6801862" cy="523220"/>
+          </a:xfrm>
+          <a:prstGeom prst="rect">
+            <a:avLst/>
+          </a:prstGeom>
+          <a:noFill/>
+        </p:spPr>
+        <p:txBody>
+          <a:bodyPr wrap="none" rtlCol="0">
+            <a:spAutoFit/>
+          </a:bodyPr>
+          <a:lstStyle/>
+          <a:p>
+            <a:r>
+              <a:rPr lang="zh-CN" altLang="en-US" dirty="0"/>
+              <a:t>猪－因为</a:t>
+            </a:r>
+            <a:r>
+              <a:rPr lang="zh-CN" altLang="en-US" sz="2800" b="1" dirty="0">
+                <a:solidFill>
+                  <a:schemeClr val="accent6"/>
+                </a:solidFill>
+              </a:rPr>
+              <a:t>蹄分两瓣，却不倒嚼</a:t>
+            </a:r>
+            <a:r>
+              <a:rPr lang="zh-CN" altLang="en-US" dirty="0"/>
+              <a:t>，就与你们</a:t>
+            </a:r>
+            <a:r>
+              <a:rPr lang="zh-CN" altLang="en-US" sz="2800" b="1" dirty="0">
+                <a:solidFill>
+                  <a:srgbClr val="FF0000"/>
+                </a:solidFill>
+              </a:rPr>
+              <a:t>不洁净</a:t>
+            </a:r>
+            <a:r>
+              <a:rPr lang="zh-CN" altLang="en-US" dirty="0"/>
+              <a:t>。</a:t>
+            </a:r>
+          </a:p>
+        </p:txBody>
+      </p:sp>
+      <p:sp>
+        <p:nvSpPr>
+          <p:cNvPr id="13" name="文本框 12">
+            <a:extLst>
+              <a:ext uri="{FF2B5EF4-FFF2-40B4-BE49-F238E27FC236}">
+                <a16:creationId xmlns:a16="http://schemas.microsoft.com/office/drawing/2014/main" id="{FB4E9B97-A310-4FAD-B649-5AFC32219CDA}"/>
+              </a:ext>
+            </a:extLst>
+          </p:cNvPr>
+          <p:cNvSpPr txBox="1"/>
+          <p:nvPr/>
+        </p:nvSpPr>
+        <p:spPr>
+          <a:xfrm>
+            <a:off x="1376732" y="4098142"/>
+            <a:ext cx="7160935" cy="523220"/>
+          </a:xfrm>
+          <a:prstGeom prst="rect">
+            <a:avLst/>
+          </a:prstGeom>
+          <a:noFill/>
+        </p:spPr>
+        <p:txBody>
+          <a:bodyPr wrap="none" rtlCol="0">
+            <a:spAutoFit/>
+          </a:bodyPr>
+          <a:lstStyle/>
+          <a:p>
+            <a:r>
+              <a:rPr lang="zh-CN" altLang="en-US" dirty="0"/>
+              <a:t>这些兽的肉，你们不可</a:t>
+            </a:r>
+            <a:r>
+              <a:rPr lang="zh-CN" altLang="en-US" sz="2800" b="1" dirty="0">
+                <a:solidFill>
+                  <a:srgbClr val="00B0F0"/>
+                </a:solidFill>
+              </a:rPr>
+              <a:t>吃</a:t>
+            </a:r>
+            <a:r>
+              <a:rPr lang="zh-CN" altLang="en-US" dirty="0"/>
+              <a:t>；死的，你们不可摸，都与你们</a:t>
+            </a:r>
+            <a:r>
+              <a:rPr lang="zh-CN" altLang="en-US" sz="2800" b="1" dirty="0">
+                <a:solidFill>
+                  <a:srgbClr val="FF0000"/>
+                </a:solidFill>
+              </a:rPr>
+              <a:t>不洁净</a:t>
+            </a:r>
+          </a:p>
+        </p:txBody>
+      </p:sp>
+    </p:spTree>
+    <p:extLst>
+      <p:ext uri="{BB962C8B-B14F-4D97-AF65-F5344CB8AC3E}">
+        <p14:creationId xmlns:p14="http://schemas.microsoft.com/office/powerpoint/2010/main" val="3041732007"/>
+      </p:ext>
+    </p:extLst>
+  </p:cSld>
+  <p:clrMapOvr>
+    <a:masterClrMapping/>
+  </p:clrMapOvr>
+</p:sld>
+</file>
+
+<file path=ppt/slides/slide15.xml><?xml version="1.0" encoding="utf-8"?>
+<p:sld xmlns:a="http://schemas.openxmlformats.org/drawingml/2006/main" xmlns:r="http://schemas.openxmlformats.org/officeDocument/2006/relationships" xmlns:p="http://schemas.openxmlformats.org/presentationml/2006/main">
+  <p:cSld>
+    <p:spTree>
+      <p:nvGrpSpPr>
+        <p:cNvPr id="1" name=""/>
+        <p:cNvGrpSpPr/>
+        <p:nvPr/>
+      </p:nvGrpSpPr>
+      <p:grpSpPr>
+        <a:xfrm>
+          <a:off x="0" y="0"/>
+          <a:ext cx="0" cy="0"/>
+          <a:chOff x="0" y="0"/>
+          <a:chExt cx="0" cy="0"/>
+        </a:xfrm>
+      </p:grpSpPr>
+      <p:sp>
+        <p:nvSpPr>
+          <p:cNvPr id="2" name="标题 1">
+            <a:extLst>
+              <a:ext uri="{FF2B5EF4-FFF2-40B4-BE49-F238E27FC236}">
+                <a16:creationId xmlns:a16="http://schemas.microsoft.com/office/drawing/2014/main" id="{42D280DC-63DD-404B-8BD6-0ADC9299215E}"/>
+              </a:ext>
+            </a:extLst>
+          </p:cNvPr>
+          <p:cNvSpPr>
+            <a:spLocks noGrp="1"/>
+          </p:cNvSpPr>
+          <p:nvPr>
+            <p:ph type="ctrTitle"/>
+          </p:nvPr>
+        </p:nvSpPr>
+        <p:spPr>
+          <a:xfrm>
+            <a:off x="1857910" y="2235200"/>
+            <a:ext cx="9144000" cy="2387600"/>
+          </a:xfrm>
+        </p:spPr>
+        <p:txBody>
+          <a:bodyPr anchor="ctr">
+            <a:normAutofit/>
+          </a:bodyPr>
+          <a:lstStyle/>
+          <a:p>
+            <a:r>
+              <a:rPr lang="zh-CN" altLang="en-US" sz="9600" b="1" dirty="0"/>
+              <a:t>吃？洁净？</a:t>
+            </a:r>
+          </a:p>
+        </p:txBody>
+      </p:sp>
+    </p:spTree>
+    <p:extLst>
+      <p:ext uri="{BB962C8B-B14F-4D97-AF65-F5344CB8AC3E}">
+        <p14:creationId xmlns:p14="http://schemas.microsoft.com/office/powerpoint/2010/main" val="297372797"/>
+      </p:ext>
+    </p:extLst>
+  </p:cSld>
+  <p:clrMapOvr>
+    <a:masterClrMapping/>
+  </p:clrMapOvr>
+</p:sld>
+</file>
+
+<file path=ppt/slides/slide16.xml><?xml version="1.0" encoding="utf-8"?>
+<p:sld xmlns:a="http://schemas.openxmlformats.org/drawingml/2006/main" xmlns:r="http://schemas.openxmlformats.org/officeDocument/2006/relationships" xmlns:p="http://schemas.openxmlformats.org/presentationml/2006/main">
+  <p:cSld>
+    <p:spTree>
+      <p:nvGrpSpPr>
+        <p:cNvPr id="1" name=""/>
+        <p:cNvGrpSpPr/>
+        <p:nvPr/>
+      </p:nvGrpSpPr>
+      <p:grpSpPr>
+        <a:xfrm>
+          <a:off x="0" y="0"/>
+          <a:ext cx="0" cy="0"/>
+          <a:chOff x="0" y="0"/>
+          <a:chExt cx="0" cy="0"/>
+        </a:xfrm>
+      </p:grpSpPr>
+      <p:sp>
+        <p:nvSpPr>
+          <p:cNvPr id="2" name="标题 1">
+            <a:extLst>
+              <a:ext uri="{FF2B5EF4-FFF2-40B4-BE49-F238E27FC236}">
                 <a16:creationId xmlns:a16="http://schemas.microsoft.com/office/drawing/2014/main" id="{42D280DC-63DD-404B-8BD6-0ADC9299215E}"/>
               </a:ext>
             </a:extLst>
@@ -4060,7 +5912,7 @@
 </p:sld>
 </file>
 
-<file path=ppt/slides/slide3.xml><?xml version="1.0" encoding="utf-8"?>
+<file path=ppt/slides/slide17.xml><?xml version="1.0" encoding="utf-8"?>
 <p:sld xmlns:a="http://schemas.openxmlformats.org/drawingml/2006/main" xmlns:r="http://schemas.openxmlformats.org/officeDocument/2006/relationships" xmlns:p="http://schemas.openxmlformats.org/presentationml/2006/main">
   <p:cSld>
     <p:spTree>
@@ -4531,6 +6383,2610 @@
       </p:par>
     </p:tnLst>
   </p:timing>
+</p:sld>
+</file>
+
+<file path=ppt/slides/slide2.xml><?xml version="1.0" encoding="utf-8"?>
+<p:sld xmlns:a="http://schemas.openxmlformats.org/drawingml/2006/main" xmlns:r="http://schemas.openxmlformats.org/officeDocument/2006/relationships" xmlns:p="http://schemas.openxmlformats.org/presentationml/2006/main">
+  <p:cSld>
+    <p:spTree>
+      <p:nvGrpSpPr>
+        <p:cNvPr id="1" name=""/>
+        <p:cNvGrpSpPr/>
+        <p:nvPr/>
+      </p:nvGrpSpPr>
+      <p:grpSpPr>
+        <a:xfrm>
+          <a:off x="0" y="0"/>
+          <a:ext cx="0" cy="0"/>
+          <a:chOff x="0" y="0"/>
+          <a:chExt cx="0" cy="0"/>
+        </a:xfrm>
+      </p:grpSpPr>
+      <p:sp>
+        <p:nvSpPr>
+          <p:cNvPr id="2" name="标题 1">
+            <a:extLst>
+              <a:ext uri="{FF2B5EF4-FFF2-40B4-BE49-F238E27FC236}">
+                <a16:creationId xmlns:a16="http://schemas.microsoft.com/office/drawing/2014/main" id="{479C28ED-352F-4CE3-ABA9-1C8BCE62EAB3}"/>
+              </a:ext>
+            </a:extLst>
+          </p:cNvPr>
+          <p:cNvSpPr>
+            <a:spLocks noGrp="1"/>
+          </p:cNvSpPr>
+          <p:nvPr>
+            <p:ph type="title"/>
+          </p:nvPr>
+        </p:nvSpPr>
+        <p:spPr/>
+        <p:txBody>
+          <a:bodyPr/>
+          <a:lstStyle/>
+          <a:p>
+            <a:r>
+              <a:rPr lang="zh-CN" altLang="en-US" dirty="0"/>
+              <a:t>三明治结构</a:t>
+            </a:r>
+          </a:p>
+        </p:txBody>
+      </p:sp>
+      <p:sp>
+        <p:nvSpPr>
+          <p:cNvPr id="5" name="AutoShape 2" descr="可口三明治向量例证. 插画包括有洋葱, 食物, 莴苣, 饥饿, 愉快, 女孩, 子项, 孩子, 巴西- 30405627">
+            <a:extLst>
+              <a:ext uri="{FF2B5EF4-FFF2-40B4-BE49-F238E27FC236}">
+                <a16:creationId xmlns:a16="http://schemas.microsoft.com/office/drawing/2014/main" id="{A0E88448-3166-4190-A944-4AEC813AE6E5}"/>
+              </a:ext>
+            </a:extLst>
+          </p:cNvPr>
+          <p:cNvSpPr>
+            <a:spLocks noChangeAspect="1" noChangeArrowheads="1"/>
+          </p:cNvSpPr>
+          <p:nvPr/>
+        </p:nvSpPr>
+        <p:spPr bwMode="auto">
+          <a:xfrm>
+            <a:off x="5943600" y="3276600"/>
+            <a:ext cx="304800" cy="304800"/>
+          </a:xfrm>
+          <a:prstGeom prst="rect">
+            <a:avLst/>
+          </a:prstGeom>
+          <a:noFill/>
+          <a:extLst>
+            <a:ext uri="{909E8E84-426E-40DD-AFC4-6F175D3DCCD1}">
+              <a14:hiddenFill xmlns:a14="http://schemas.microsoft.com/office/drawing/2010/main">
+                <a:solidFill>
+                  <a:srgbClr val="FFFFFF"/>
+                </a:solidFill>
+              </a14:hiddenFill>
+            </a:ext>
+          </a:extLst>
+        </p:spPr>
+        <p:txBody>
+          <a:bodyPr vert="horz" wrap="square" lIns="91440" tIns="45720" rIns="91440" bIns="45720" numCol="1" anchor="t" anchorCtr="0" compatLnSpc="1">
+            <a:prstTxWarp prst="textNoShape">
+              <a:avLst/>
+            </a:prstTxWarp>
+          </a:bodyPr>
+          <a:lstStyle/>
+          <a:p>
+            <a:endParaRPr lang="zh-CN" altLang="en-US"/>
+          </a:p>
+        </p:txBody>
+      </p:sp>
+      <p:pic>
+        <p:nvPicPr>
+          <p:cNvPr id="7" name="图片 6">
+            <a:extLst>
+              <a:ext uri="{FF2B5EF4-FFF2-40B4-BE49-F238E27FC236}">
+                <a16:creationId xmlns:a16="http://schemas.microsoft.com/office/drawing/2014/main" id="{E9687307-3667-4EAA-9410-38BB6EF7A0D3}"/>
+              </a:ext>
+            </a:extLst>
+          </p:cNvPr>
+          <p:cNvPicPr>
+            <a:picLocks noChangeAspect="1"/>
+          </p:cNvPicPr>
+          <p:nvPr/>
+        </p:nvPicPr>
+        <p:blipFill>
+          <a:blip r:embed="rId2">
+            <a:extLst>
+              <a:ext uri="{28A0092B-C50C-407E-A947-70E740481C1C}">
+                <a14:useLocalDpi xmlns:a14="http://schemas.microsoft.com/office/drawing/2010/main" val="0"/>
+              </a:ext>
+            </a:extLst>
+          </a:blip>
+          <a:stretch>
+            <a:fillRect/>
+          </a:stretch>
+        </p:blipFill>
+        <p:spPr>
+          <a:xfrm>
+            <a:off x="468331" y="2447223"/>
+            <a:ext cx="3647985" cy="2625048"/>
+          </a:xfrm>
+          <a:prstGeom prst="rect">
+            <a:avLst/>
+          </a:prstGeom>
+        </p:spPr>
+      </p:pic>
+      <p:pic>
+        <p:nvPicPr>
+          <p:cNvPr id="11" name="图片 10">
+            <a:extLst>
+              <a:ext uri="{FF2B5EF4-FFF2-40B4-BE49-F238E27FC236}">
+                <a16:creationId xmlns:a16="http://schemas.microsoft.com/office/drawing/2014/main" id="{EE79FF1E-5DF2-4A5D-A457-688413CC9F8A}"/>
+              </a:ext>
+            </a:extLst>
+          </p:cNvPr>
+          <p:cNvPicPr>
+            <a:picLocks noChangeAspect="1"/>
+          </p:cNvPicPr>
+          <p:nvPr/>
+        </p:nvPicPr>
+        <p:blipFill>
+          <a:blip r:embed="rId3">
+            <a:extLst>
+              <a:ext uri="{28A0092B-C50C-407E-A947-70E740481C1C}">
+                <a14:useLocalDpi xmlns:a14="http://schemas.microsoft.com/office/drawing/2010/main" val="0"/>
+              </a:ext>
+            </a:extLst>
+          </a:blip>
+          <a:stretch>
+            <a:fillRect/>
+          </a:stretch>
+        </p:blipFill>
+        <p:spPr>
+          <a:xfrm>
+            <a:off x="4592682" y="2237791"/>
+            <a:ext cx="3311436" cy="2834480"/>
+          </a:xfrm>
+          <a:prstGeom prst="rect">
+            <a:avLst/>
+          </a:prstGeom>
+        </p:spPr>
+      </p:pic>
+      <p:pic>
+        <p:nvPicPr>
+          <p:cNvPr id="13" name="图片 12">
+            <a:extLst>
+              <a:ext uri="{FF2B5EF4-FFF2-40B4-BE49-F238E27FC236}">
+                <a16:creationId xmlns:a16="http://schemas.microsoft.com/office/drawing/2014/main" id="{029C1598-D506-4192-9016-9F67DACA1960}"/>
+              </a:ext>
+            </a:extLst>
+          </p:cNvPr>
+          <p:cNvPicPr>
+            <a:picLocks noChangeAspect="1"/>
+          </p:cNvPicPr>
+          <p:nvPr/>
+        </p:nvPicPr>
+        <p:blipFill>
+          <a:blip r:embed="rId4">
+            <a:extLst>
+              <a:ext uri="{28A0092B-C50C-407E-A947-70E740481C1C}">
+                <a14:useLocalDpi xmlns:a14="http://schemas.microsoft.com/office/drawing/2010/main" val="0"/>
+              </a:ext>
+            </a:extLst>
+          </a:blip>
+          <a:stretch>
+            <a:fillRect/>
+          </a:stretch>
+        </p:blipFill>
+        <p:spPr>
+          <a:xfrm>
+            <a:off x="8338067" y="2390742"/>
+            <a:ext cx="3480988" cy="2738010"/>
+          </a:xfrm>
+          <a:prstGeom prst="rect">
+            <a:avLst/>
+          </a:prstGeom>
+        </p:spPr>
+      </p:pic>
+    </p:spTree>
+    <p:extLst>
+      <p:ext uri="{BB962C8B-B14F-4D97-AF65-F5344CB8AC3E}">
+        <p14:creationId xmlns:p14="http://schemas.microsoft.com/office/powerpoint/2010/main" val="1891284846"/>
+      </p:ext>
+    </p:extLst>
+  </p:cSld>
+  <p:clrMapOvr>
+    <a:masterClrMapping/>
+  </p:clrMapOvr>
+  <p:timing>
+    <p:tnLst>
+      <p:par>
+        <p:cTn id="1" dur="indefinite" restart="never" nodeType="tmRoot">
+          <p:childTnLst>
+            <p:seq concurrent="1" nextAc="seek">
+              <p:cTn id="2" dur="indefinite" nodeType="mainSeq">
+                <p:childTnLst>
+                  <p:par>
+                    <p:cTn id="3" fill="hold">
+                      <p:stCondLst>
+                        <p:cond delay="indefinite"/>
+                      </p:stCondLst>
+                      <p:childTnLst>
+                        <p:par>
+                          <p:cTn id="4" fill="hold">
+                            <p:stCondLst>
+                              <p:cond delay="0"/>
+                            </p:stCondLst>
+                            <p:childTnLst>
+                              <p:par>
+                                <p:cTn id="5" presetID="42" presetClass="entr" presetSubtype="0" fill="hold" nodeType="clickEffect">
+                                  <p:stCondLst>
+                                    <p:cond delay="0"/>
+                                  </p:stCondLst>
+                                  <p:childTnLst>
+                                    <p:set>
+                                      <p:cBhvr>
+                                        <p:cTn id="6" dur="1" fill="hold">
+                                          <p:stCondLst>
+                                            <p:cond delay="0"/>
+                                          </p:stCondLst>
+                                        </p:cTn>
+                                        <p:tgtEl>
+                                          <p:spTgt spid="7"/>
+                                        </p:tgtEl>
+                                        <p:attrNameLst>
+                                          <p:attrName>style.visibility</p:attrName>
+                                        </p:attrNameLst>
+                                      </p:cBhvr>
+                                      <p:to>
+                                        <p:strVal val="visible"/>
+                                      </p:to>
+                                    </p:set>
+                                    <p:animEffect transition="in" filter="fade">
+                                      <p:cBhvr>
+                                        <p:cTn id="7" dur="1000"/>
+                                        <p:tgtEl>
+                                          <p:spTgt spid="7"/>
+                                        </p:tgtEl>
+                                      </p:cBhvr>
+                                    </p:animEffect>
+                                    <p:anim calcmode="lin" valueType="num">
+                                      <p:cBhvr>
+                                        <p:cTn id="8" dur="1000" fill="hold"/>
+                                        <p:tgtEl>
+                                          <p:spTgt spid="7"/>
+                                        </p:tgtEl>
+                                        <p:attrNameLst>
+                                          <p:attrName>ppt_x</p:attrName>
+                                        </p:attrNameLst>
+                                      </p:cBhvr>
+                                      <p:tavLst>
+                                        <p:tav tm="0">
+                                          <p:val>
+                                            <p:strVal val="#ppt_x"/>
+                                          </p:val>
+                                        </p:tav>
+                                        <p:tav tm="100000">
+                                          <p:val>
+                                            <p:strVal val="#ppt_x"/>
+                                          </p:val>
+                                        </p:tav>
+                                      </p:tavLst>
+                                    </p:anim>
+                                    <p:anim calcmode="lin" valueType="num">
+                                      <p:cBhvr>
+                                        <p:cTn id="9" dur="1000" fill="hold"/>
+                                        <p:tgtEl>
+                                          <p:spTgt spid="7"/>
+                                        </p:tgtEl>
+                                        <p:attrNameLst>
+                                          <p:attrName>ppt_y</p:attrName>
+                                        </p:attrNameLst>
+                                      </p:cBhvr>
+                                      <p:tavLst>
+                                        <p:tav tm="0">
+                                          <p:val>
+                                            <p:strVal val="#ppt_y+.1"/>
+                                          </p:val>
+                                        </p:tav>
+                                        <p:tav tm="100000">
+                                          <p:val>
+                                            <p:strVal val="#ppt_y"/>
+                                          </p:val>
+                                        </p:tav>
+                                      </p:tavLst>
+                                    </p:anim>
+                                  </p:childTnLst>
+                                </p:cTn>
+                              </p:par>
+                            </p:childTnLst>
+                          </p:cTn>
+                        </p:par>
+                      </p:childTnLst>
+                    </p:cTn>
+                  </p:par>
+                  <p:par>
+                    <p:cTn id="10" fill="hold">
+                      <p:stCondLst>
+                        <p:cond delay="indefinite"/>
+                      </p:stCondLst>
+                      <p:childTnLst>
+                        <p:par>
+                          <p:cTn id="11" fill="hold">
+                            <p:stCondLst>
+                              <p:cond delay="0"/>
+                            </p:stCondLst>
+                            <p:childTnLst>
+                              <p:par>
+                                <p:cTn id="12" presetID="42" presetClass="entr" presetSubtype="0" fill="hold" nodeType="clickEffect">
+                                  <p:stCondLst>
+                                    <p:cond delay="0"/>
+                                  </p:stCondLst>
+                                  <p:childTnLst>
+                                    <p:set>
+                                      <p:cBhvr>
+                                        <p:cTn id="13" dur="1" fill="hold">
+                                          <p:stCondLst>
+                                            <p:cond delay="0"/>
+                                          </p:stCondLst>
+                                        </p:cTn>
+                                        <p:tgtEl>
+                                          <p:spTgt spid="11"/>
+                                        </p:tgtEl>
+                                        <p:attrNameLst>
+                                          <p:attrName>style.visibility</p:attrName>
+                                        </p:attrNameLst>
+                                      </p:cBhvr>
+                                      <p:to>
+                                        <p:strVal val="visible"/>
+                                      </p:to>
+                                    </p:set>
+                                    <p:animEffect transition="in" filter="fade">
+                                      <p:cBhvr>
+                                        <p:cTn id="14" dur="1000"/>
+                                        <p:tgtEl>
+                                          <p:spTgt spid="11"/>
+                                        </p:tgtEl>
+                                      </p:cBhvr>
+                                    </p:animEffect>
+                                    <p:anim calcmode="lin" valueType="num">
+                                      <p:cBhvr>
+                                        <p:cTn id="15" dur="1000" fill="hold"/>
+                                        <p:tgtEl>
+                                          <p:spTgt spid="11"/>
+                                        </p:tgtEl>
+                                        <p:attrNameLst>
+                                          <p:attrName>ppt_x</p:attrName>
+                                        </p:attrNameLst>
+                                      </p:cBhvr>
+                                      <p:tavLst>
+                                        <p:tav tm="0">
+                                          <p:val>
+                                            <p:strVal val="#ppt_x"/>
+                                          </p:val>
+                                        </p:tav>
+                                        <p:tav tm="100000">
+                                          <p:val>
+                                            <p:strVal val="#ppt_x"/>
+                                          </p:val>
+                                        </p:tav>
+                                      </p:tavLst>
+                                    </p:anim>
+                                    <p:anim calcmode="lin" valueType="num">
+                                      <p:cBhvr>
+                                        <p:cTn id="16" dur="1000" fill="hold"/>
+                                        <p:tgtEl>
+                                          <p:spTgt spid="11"/>
+                                        </p:tgtEl>
+                                        <p:attrNameLst>
+                                          <p:attrName>ppt_y</p:attrName>
+                                        </p:attrNameLst>
+                                      </p:cBhvr>
+                                      <p:tavLst>
+                                        <p:tav tm="0">
+                                          <p:val>
+                                            <p:strVal val="#ppt_y+.1"/>
+                                          </p:val>
+                                        </p:tav>
+                                        <p:tav tm="100000">
+                                          <p:val>
+                                            <p:strVal val="#ppt_y"/>
+                                          </p:val>
+                                        </p:tav>
+                                      </p:tavLst>
+                                    </p:anim>
+                                  </p:childTnLst>
+                                </p:cTn>
+                              </p:par>
+                            </p:childTnLst>
+                          </p:cTn>
+                        </p:par>
+                      </p:childTnLst>
+                    </p:cTn>
+                  </p:par>
+                  <p:par>
+                    <p:cTn id="17" fill="hold">
+                      <p:stCondLst>
+                        <p:cond delay="indefinite"/>
+                      </p:stCondLst>
+                      <p:childTnLst>
+                        <p:par>
+                          <p:cTn id="18" fill="hold">
+                            <p:stCondLst>
+                              <p:cond delay="0"/>
+                            </p:stCondLst>
+                            <p:childTnLst>
+                              <p:par>
+                                <p:cTn id="19" presetID="42" presetClass="entr" presetSubtype="0" fill="hold" nodeType="clickEffect">
+                                  <p:stCondLst>
+                                    <p:cond delay="0"/>
+                                  </p:stCondLst>
+                                  <p:childTnLst>
+                                    <p:set>
+                                      <p:cBhvr>
+                                        <p:cTn id="20" dur="1" fill="hold">
+                                          <p:stCondLst>
+                                            <p:cond delay="0"/>
+                                          </p:stCondLst>
+                                        </p:cTn>
+                                        <p:tgtEl>
+                                          <p:spTgt spid="13"/>
+                                        </p:tgtEl>
+                                        <p:attrNameLst>
+                                          <p:attrName>style.visibility</p:attrName>
+                                        </p:attrNameLst>
+                                      </p:cBhvr>
+                                      <p:to>
+                                        <p:strVal val="visible"/>
+                                      </p:to>
+                                    </p:set>
+                                    <p:animEffect transition="in" filter="fade">
+                                      <p:cBhvr>
+                                        <p:cTn id="21" dur="1000"/>
+                                        <p:tgtEl>
+                                          <p:spTgt spid="13"/>
+                                        </p:tgtEl>
+                                      </p:cBhvr>
+                                    </p:animEffect>
+                                    <p:anim calcmode="lin" valueType="num">
+                                      <p:cBhvr>
+                                        <p:cTn id="22" dur="1000" fill="hold"/>
+                                        <p:tgtEl>
+                                          <p:spTgt spid="13"/>
+                                        </p:tgtEl>
+                                        <p:attrNameLst>
+                                          <p:attrName>ppt_x</p:attrName>
+                                        </p:attrNameLst>
+                                      </p:cBhvr>
+                                      <p:tavLst>
+                                        <p:tav tm="0">
+                                          <p:val>
+                                            <p:strVal val="#ppt_x"/>
+                                          </p:val>
+                                        </p:tav>
+                                        <p:tav tm="100000">
+                                          <p:val>
+                                            <p:strVal val="#ppt_x"/>
+                                          </p:val>
+                                        </p:tav>
+                                      </p:tavLst>
+                                    </p:anim>
+                                    <p:anim calcmode="lin" valueType="num">
+                                      <p:cBhvr>
+                                        <p:cTn id="23" dur="1000" fill="hold"/>
+                                        <p:tgtEl>
+                                          <p:spTgt spid="13"/>
+                                        </p:tgtEl>
+                                        <p:attrNameLst>
+                                          <p:attrName>ppt_y</p:attrName>
+                                        </p:attrNameLst>
+                                      </p:cBhvr>
+                                      <p:tavLst>
+                                        <p:tav tm="0">
+                                          <p:val>
+                                            <p:strVal val="#ppt_y+.1"/>
+                                          </p:val>
+                                        </p:tav>
+                                        <p:tav tm="100000">
+                                          <p:val>
+                                            <p:strVal val="#ppt_y"/>
+                                          </p:val>
+                                        </p:tav>
+                                      </p:tavLst>
+                                    </p:anim>
+                                  </p:childTnLst>
+                                </p:cTn>
+                              </p:par>
+                            </p:childTnLst>
+                          </p:cTn>
+                        </p:par>
+                      </p:childTnLst>
+                    </p:cTn>
+                  </p:par>
+                </p:childTnLst>
+              </p:cTn>
+              <p:prevCondLst>
+                <p:cond evt="onPrev" delay="0">
+                  <p:tgtEl>
+                    <p:sldTgt/>
+                  </p:tgtEl>
+                </p:cond>
+              </p:prevCondLst>
+              <p:nextCondLst>
+                <p:cond evt="onNext" delay="0">
+                  <p:tgtEl>
+                    <p:sldTgt/>
+                  </p:tgtEl>
+                </p:cond>
+              </p:nextCondLst>
+            </p:seq>
+          </p:childTnLst>
+        </p:cTn>
+      </p:par>
+    </p:tnLst>
+  </p:timing>
+</p:sld>
+</file>
+
+<file path=ppt/slides/slide3.xml><?xml version="1.0" encoding="utf-8"?>
+<p:sld xmlns:a="http://schemas.openxmlformats.org/drawingml/2006/main" xmlns:r="http://schemas.openxmlformats.org/officeDocument/2006/relationships" xmlns:p="http://schemas.openxmlformats.org/presentationml/2006/main">
+  <p:cSld>
+    <p:spTree>
+      <p:nvGrpSpPr>
+        <p:cNvPr id="1" name=""/>
+        <p:cNvGrpSpPr/>
+        <p:nvPr/>
+      </p:nvGrpSpPr>
+      <p:grpSpPr>
+        <a:xfrm>
+          <a:off x="0" y="0"/>
+          <a:ext cx="0" cy="0"/>
+          <a:chOff x="0" y="0"/>
+          <a:chExt cx="0" cy="0"/>
+        </a:xfrm>
+      </p:grpSpPr>
+      <p:sp>
+        <p:nvSpPr>
+          <p:cNvPr id="5" name="文本框 4">
+            <a:extLst>
+              <a:ext uri="{FF2B5EF4-FFF2-40B4-BE49-F238E27FC236}">
+                <a16:creationId xmlns:a16="http://schemas.microsoft.com/office/drawing/2014/main" id="{903080A9-1F7E-4D77-8FF5-4A7A8B67A02D}"/>
+              </a:ext>
+            </a:extLst>
+          </p:cNvPr>
+          <p:cNvSpPr txBox="1"/>
+          <p:nvPr/>
+        </p:nvSpPr>
+        <p:spPr>
+          <a:xfrm>
+            <a:off x="1872703" y="2920389"/>
+            <a:ext cx="6094990" cy="369332"/>
+          </a:xfrm>
+          <a:prstGeom prst="rect">
+            <a:avLst/>
+          </a:prstGeom>
+          <a:noFill/>
+        </p:spPr>
+        <p:txBody>
+          <a:bodyPr wrap="square">
+            <a:spAutoFit/>
+          </a:bodyPr>
+          <a:lstStyle/>
+          <a:p>
+            <a:r>
+              <a:rPr lang="zh-CN" altLang="en-US" dirty="0"/>
+              <a:t>凡水里无翅无鳞的，你们都当以为可憎。</a:t>
+            </a:r>
+          </a:p>
+        </p:txBody>
+      </p:sp>
+      <p:sp>
+        <p:nvSpPr>
+          <p:cNvPr id="7" name="文本框 6">
+            <a:extLst>
+              <a:ext uri="{FF2B5EF4-FFF2-40B4-BE49-F238E27FC236}">
+                <a16:creationId xmlns:a16="http://schemas.microsoft.com/office/drawing/2014/main" id="{D7877C58-E27E-4EEB-BA68-479D9DCF56B6}"/>
+              </a:ext>
+            </a:extLst>
+          </p:cNvPr>
+          <p:cNvSpPr txBox="1"/>
+          <p:nvPr/>
+        </p:nvSpPr>
+        <p:spPr>
+          <a:xfrm>
+            <a:off x="1872703" y="1241404"/>
+            <a:ext cx="8032968" cy="369332"/>
+          </a:xfrm>
+          <a:prstGeom prst="rect">
+            <a:avLst/>
+          </a:prstGeom>
+          <a:noFill/>
+        </p:spPr>
+        <p:txBody>
+          <a:bodyPr wrap="none" rtlCol="0">
+            <a:spAutoFit/>
+          </a:bodyPr>
+          <a:lstStyle/>
+          <a:p>
+            <a:r>
+              <a:rPr lang="zh-CN" altLang="en-US" dirty="0"/>
+              <a:t>凡在海里、河里，并一切水里游动的活物，无翅无鳞的，你们都当以为可憎。</a:t>
+            </a:r>
+          </a:p>
+        </p:txBody>
+      </p:sp>
+      <p:sp>
+        <p:nvSpPr>
+          <p:cNvPr id="9" name="文本框 8">
+            <a:extLst>
+              <a:ext uri="{FF2B5EF4-FFF2-40B4-BE49-F238E27FC236}">
+                <a16:creationId xmlns:a16="http://schemas.microsoft.com/office/drawing/2014/main" id="{D500EE43-C35E-49CE-873F-267130979E7B}"/>
+              </a:ext>
+            </a:extLst>
+          </p:cNvPr>
+          <p:cNvSpPr txBox="1"/>
+          <p:nvPr/>
+        </p:nvSpPr>
+        <p:spPr>
+          <a:xfrm>
+            <a:off x="2302651" y="1857420"/>
+            <a:ext cx="7380299" cy="369332"/>
+          </a:xfrm>
+          <a:prstGeom prst="rect">
+            <a:avLst/>
+          </a:prstGeom>
+          <a:noFill/>
+        </p:spPr>
+        <p:txBody>
+          <a:bodyPr wrap="square">
+            <a:spAutoFit/>
+          </a:bodyPr>
+          <a:lstStyle/>
+          <a:p>
+            <a:r>
+              <a:rPr lang="zh-CN" altLang="en-US" dirty="0"/>
+              <a:t>这些无翅无鳞、以为可憎的，你们不可吃它的肉；</a:t>
+            </a:r>
+          </a:p>
+        </p:txBody>
+      </p:sp>
+      <p:sp>
+        <p:nvSpPr>
+          <p:cNvPr id="11" name="文本框 10">
+            <a:extLst>
+              <a:ext uri="{FF2B5EF4-FFF2-40B4-BE49-F238E27FC236}">
+                <a16:creationId xmlns:a16="http://schemas.microsoft.com/office/drawing/2014/main" id="{88FE3729-8297-441F-A334-1DE0B76C7BC6}"/>
+              </a:ext>
+            </a:extLst>
+          </p:cNvPr>
+          <p:cNvSpPr txBox="1"/>
+          <p:nvPr/>
+        </p:nvSpPr>
+        <p:spPr>
+          <a:xfrm>
+            <a:off x="2302651" y="2343560"/>
+            <a:ext cx="6094990" cy="369332"/>
+          </a:xfrm>
+          <a:prstGeom prst="rect">
+            <a:avLst/>
+          </a:prstGeom>
+          <a:noFill/>
+        </p:spPr>
+        <p:txBody>
+          <a:bodyPr wrap="square">
+            <a:spAutoFit/>
+          </a:bodyPr>
+          <a:lstStyle/>
+          <a:p>
+            <a:r>
+              <a:rPr lang="zh-CN" altLang="en-US" dirty="0"/>
+              <a:t>死的也当以为可憎。</a:t>
+            </a:r>
+          </a:p>
+        </p:txBody>
+      </p:sp>
+    </p:spTree>
+    <p:extLst>
+      <p:ext uri="{BB962C8B-B14F-4D97-AF65-F5344CB8AC3E}">
+        <p14:creationId xmlns:p14="http://schemas.microsoft.com/office/powerpoint/2010/main" val="552250565"/>
+      </p:ext>
+    </p:extLst>
+  </p:cSld>
+  <p:clrMapOvr>
+    <a:masterClrMapping/>
+  </p:clrMapOvr>
+  <p:timing>
+    <p:tnLst>
+      <p:par>
+        <p:cTn id="1" dur="indefinite" restart="never" nodeType="tmRoot">
+          <p:childTnLst>
+            <p:seq concurrent="1" nextAc="seek">
+              <p:cTn id="2" dur="indefinite" nodeType="mainSeq">
+                <p:childTnLst>
+                  <p:par>
+                    <p:cTn id="3" fill="hold">
+                      <p:stCondLst>
+                        <p:cond delay="indefinite"/>
+                      </p:stCondLst>
+                      <p:childTnLst>
+                        <p:par>
+                          <p:cTn id="4" fill="hold">
+                            <p:stCondLst>
+                              <p:cond delay="0"/>
+                            </p:stCondLst>
+                            <p:childTnLst>
+                              <p:par>
+                                <p:cTn id="5" presetID="2" presetClass="entr" presetSubtype="2" fill="hold" grpId="0" nodeType="clickEffect">
+                                  <p:stCondLst>
+                                    <p:cond delay="0"/>
+                                  </p:stCondLst>
+                                  <p:childTnLst>
+                                    <p:set>
+                                      <p:cBhvr>
+                                        <p:cTn id="6" dur="1" fill="hold">
+                                          <p:stCondLst>
+                                            <p:cond delay="0"/>
+                                          </p:stCondLst>
+                                        </p:cTn>
+                                        <p:tgtEl>
+                                          <p:spTgt spid="7"/>
+                                        </p:tgtEl>
+                                        <p:attrNameLst>
+                                          <p:attrName>style.visibility</p:attrName>
+                                        </p:attrNameLst>
+                                      </p:cBhvr>
+                                      <p:to>
+                                        <p:strVal val="visible"/>
+                                      </p:to>
+                                    </p:set>
+                                    <p:anim calcmode="lin" valueType="num">
+                                      <p:cBhvr additive="base">
+                                        <p:cTn id="7" dur="500" fill="hold"/>
+                                        <p:tgtEl>
+                                          <p:spTgt spid="7"/>
+                                        </p:tgtEl>
+                                        <p:attrNameLst>
+                                          <p:attrName>ppt_x</p:attrName>
+                                        </p:attrNameLst>
+                                      </p:cBhvr>
+                                      <p:tavLst>
+                                        <p:tav tm="0">
+                                          <p:val>
+                                            <p:strVal val="1+#ppt_w/2"/>
+                                          </p:val>
+                                        </p:tav>
+                                        <p:tav tm="100000">
+                                          <p:val>
+                                            <p:strVal val="#ppt_x"/>
+                                          </p:val>
+                                        </p:tav>
+                                      </p:tavLst>
+                                    </p:anim>
+                                    <p:anim calcmode="lin" valueType="num">
+                                      <p:cBhvr additive="base">
+                                        <p:cTn id="8" dur="500" fill="hold"/>
+                                        <p:tgtEl>
+                                          <p:spTgt spid="7"/>
+                                        </p:tgtEl>
+                                        <p:attrNameLst>
+                                          <p:attrName>ppt_y</p:attrName>
+                                        </p:attrNameLst>
+                                      </p:cBhvr>
+                                      <p:tavLst>
+                                        <p:tav tm="0">
+                                          <p:val>
+                                            <p:strVal val="#ppt_y"/>
+                                          </p:val>
+                                        </p:tav>
+                                        <p:tav tm="100000">
+                                          <p:val>
+                                            <p:strVal val="#ppt_y"/>
+                                          </p:val>
+                                        </p:tav>
+                                      </p:tavLst>
+                                    </p:anim>
+                                  </p:childTnLst>
+                                </p:cTn>
+                              </p:par>
+                            </p:childTnLst>
+                          </p:cTn>
+                        </p:par>
+                      </p:childTnLst>
+                    </p:cTn>
+                  </p:par>
+                  <p:par>
+                    <p:cTn id="9" fill="hold">
+                      <p:stCondLst>
+                        <p:cond delay="indefinite"/>
+                      </p:stCondLst>
+                      <p:childTnLst>
+                        <p:par>
+                          <p:cTn id="10" fill="hold">
+                            <p:stCondLst>
+                              <p:cond delay="0"/>
+                            </p:stCondLst>
+                            <p:childTnLst>
+                              <p:par>
+                                <p:cTn id="11" presetID="2" presetClass="entr" presetSubtype="2" fill="hold" grpId="0" nodeType="clickEffect">
+                                  <p:stCondLst>
+                                    <p:cond delay="0"/>
+                                  </p:stCondLst>
+                                  <p:childTnLst>
+                                    <p:set>
+                                      <p:cBhvr>
+                                        <p:cTn id="12" dur="1" fill="hold">
+                                          <p:stCondLst>
+                                            <p:cond delay="0"/>
+                                          </p:stCondLst>
+                                        </p:cTn>
+                                        <p:tgtEl>
+                                          <p:spTgt spid="9"/>
+                                        </p:tgtEl>
+                                        <p:attrNameLst>
+                                          <p:attrName>style.visibility</p:attrName>
+                                        </p:attrNameLst>
+                                      </p:cBhvr>
+                                      <p:to>
+                                        <p:strVal val="visible"/>
+                                      </p:to>
+                                    </p:set>
+                                    <p:anim calcmode="lin" valueType="num">
+                                      <p:cBhvr additive="base">
+                                        <p:cTn id="13" dur="500" fill="hold"/>
+                                        <p:tgtEl>
+                                          <p:spTgt spid="9"/>
+                                        </p:tgtEl>
+                                        <p:attrNameLst>
+                                          <p:attrName>ppt_x</p:attrName>
+                                        </p:attrNameLst>
+                                      </p:cBhvr>
+                                      <p:tavLst>
+                                        <p:tav tm="0">
+                                          <p:val>
+                                            <p:strVal val="1+#ppt_w/2"/>
+                                          </p:val>
+                                        </p:tav>
+                                        <p:tav tm="100000">
+                                          <p:val>
+                                            <p:strVal val="#ppt_x"/>
+                                          </p:val>
+                                        </p:tav>
+                                      </p:tavLst>
+                                    </p:anim>
+                                    <p:anim calcmode="lin" valueType="num">
+                                      <p:cBhvr additive="base">
+                                        <p:cTn id="14" dur="500" fill="hold"/>
+                                        <p:tgtEl>
+                                          <p:spTgt spid="9"/>
+                                        </p:tgtEl>
+                                        <p:attrNameLst>
+                                          <p:attrName>ppt_y</p:attrName>
+                                        </p:attrNameLst>
+                                      </p:cBhvr>
+                                      <p:tavLst>
+                                        <p:tav tm="0">
+                                          <p:val>
+                                            <p:strVal val="#ppt_y"/>
+                                          </p:val>
+                                        </p:tav>
+                                        <p:tav tm="100000">
+                                          <p:val>
+                                            <p:strVal val="#ppt_y"/>
+                                          </p:val>
+                                        </p:tav>
+                                      </p:tavLst>
+                                    </p:anim>
+                                  </p:childTnLst>
+                                </p:cTn>
+                              </p:par>
+                              <p:par>
+                                <p:cTn id="15" presetID="2" presetClass="entr" presetSubtype="2" fill="hold" grpId="0" nodeType="withEffect">
+                                  <p:stCondLst>
+                                    <p:cond delay="0"/>
+                                  </p:stCondLst>
+                                  <p:childTnLst>
+                                    <p:set>
+                                      <p:cBhvr>
+                                        <p:cTn id="16" dur="1" fill="hold">
+                                          <p:stCondLst>
+                                            <p:cond delay="0"/>
+                                          </p:stCondLst>
+                                        </p:cTn>
+                                        <p:tgtEl>
+                                          <p:spTgt spid="11"/>
+                                        </p:tgtEl>
+                                        <p:attrNameLst>
+                                          <p:attrName>style.visibility</p:attrName>
+                                        </p:attrNameLst>
+                                      </p:cBhvr>
+                                      <p:to>
+                                        <p:strVal val="visible"/>
+                                      </p:to>
+                                    </p:set>
+                                    <p:anim calcmode="lin" valueType="num">
+                                      <p:cBhvr additive="base">
+                                        <p:cTn id="17" dur="500" fill="hold"/>
+                                        <p:tgtEl>
+                                          <p:spTgt spid="11"/>
+                                        </p:tgtEl>
+                                        <p:attrNameLst>
+                                          <p:attrName>ppt_x</p:attrName>
+                                        </p:attrNameLst>
+                                      </p:cBhvr>
+                                      <p:tavLst>
+                                        <p:tav tm="0">
+                                          <p:val>
+                                            <p:strVal val="1+#ppt_w/2"/>
+                                          </p:val>
+                                        </p:tav>
+                                        <p:tav tm="100000">
+                                          <p:val>
+                                            <p:strVal val="#ppt_x"/>
+                                          </p:val>
+                                        </p:tav>
+                                      </p:tavLst>
+                                    </p:anim>
+                                    <p:anim calcmode="lin" valueType="num">
+                                      <p:cBhvr additive="base">
+                                        <p:cTn id="18" dur="500" fill="hold"/>
+                                        <p:tgtEl>
+                                          <p:spTgt spid="11"/>
+                                        </p:tgtEl>
+                                        <p:attrNameLst>
+                                          <p:attrName>ppt_y</p:attrName>
+                                        </p:attrNameLst>
+                                      </p:cBhvr>
+                                      <p:tavLst>
+                                        <p:tav tm="0">
+                                          <p:val>
+                                            <p:strVal val="#ppt_y"/>
+                                          </p:val>
+                                        </p:tav>
+                                        <p:tav tm="100000">
+                                          <p:val>
+                                            <p:strVal val="#ppt_y"/>
+                                          </p:val>
+                                        </p:tav>
+                                      </p:tavLst>
+                                    </p:anim>
+                                  </p:childTnLst>
+                                </p:cTn>
+                              </p:par>
+                            </p:childTnLst>
+                          </p:cTn>
+                        </p:par>
+                      </p:childTnLst>
+                    </p:cTn>
+                  </p:par>
+                  <p:par>
+                    <p:cTn id="19" fill="hold">
+                      <p:stCondLst>
+                        <p:cond delay="indefinite"/>
+                      </p:stCondLst>
+                      <p:childTnLst>
+                        <p:par>
+                          <p:cTn id="20" fill="hold">
+                            <p:stCondLst>
+                              <p:cond delay="0"/>
+                            </p:stCondLst>
+                            <p:childTnLst>
+                              <p:par>
+                                <p:cTn id="21" presetID="2" presetClass="entr" presetSubtype="2" fill="hold" grpId="0" nodeType="clickEffect">
+                                  <p:stCondLst>
+                                    <p:cond delay="0"/>
+                                  </p:stCondLst>
+                                  <p:childTnLst>
+                                    <p:set>
+                                      <p:cBhvr>
+                                        <p:cTn id="22" dur="1" fill="hold">
+                                          <p:stCondLst>
+                                            <p:cond delay="0"/>
+                                          </p:stCondLst>
+                                        </p:cTn>
+                                        <p:tgtEl>
+                                          <p:spTgt spid="5"/>
+                                        </p:tgtEl>
+                                        <p:attrNameLst>
+                                          <p:attrName>style.visibility</p:attrName>
+                                        </p:attrNameLst>
+                                      </p:cBhvr>
+                                      <p:to>
+                                        <p:strVal val="visible"/>
+                                      </p:to>
+                                    </p:set>
+                                    <p:anim calcmode="lin" valueType="num">
+                                      <p:cBhvr additive="base">
+                                        <p:cTn id="23" dur="500" fill="hold"/>
+                                        <p:tgtEl>
+                                          <p:spTgt spid="5"/>
+                                        </p:tgtEl>
+                                        <p:attrNameLst>
+                                          <p:attrName>ppt_x</p:attrName>
+                                        </p:attrNameLst>
+                                      </p:cBhvr>
+                                      <p:tavLst>
+                                        <p:tav tm="0">
+                                          <p:val>
+                                            <p:strVal val="1+#ppt_w/2"/>
+                                          </p:val>
+                                        </p:tav>
+                                        <p:tav tm="100000">
+                                          <p:val>
+                                            <p:strVal val="#ppt_x"/>
+                                          </p:val>
+                                        </p:tav>
+                                      </p:tavLst>
+                                    </p:anim>
+                                    <p:anim calcmode="lin" valueType="num">
+                                      <p:cBhvr additive="base">
+                                        <p:cTn id="24" dur="500" fill="hold"/>
+                                        <p:tgtEl>
+                                          <p:spTgt spid="5"/>
+                                        </p:tgtEl>
+                                        <p:attrNameLst>
+                                          <p:attrName>ppt_y</p:attrName>
+                                        </p:attrNameLst>
+                                      </p:cBhvr>
+                                      <p:tavLst>
+                                        <p:tav tm="0">
+                                          <p:val>
+                                            <p:strVal val="#ppt_y"/>
+                                          </p:val>
+                                        </p:tav>
+                                        <p:tav tm="100000">
+                                          <p:val>
+                                            <p:strVal val="#ppt_y"/>
+                                          </p:val>
+                                        </p:tav>
+                                      </p:tavLst>
+                                    </p:anim>
+                                  </p:childTnLst>
+                                </p:cTn>
+                              </p:par>
+                            </p:childTnLst>
+                          </p:cTn>
+                        </p:par>
+                      </p:childTnLst>
+                    </p:cTn>
+                  </p:par>
+                </p:childTnLst>
+              </p:cTn>
+              <p:prevCondLst>
+                <p:cond evt="onPrev" delay="0">
+                  <p:tgtEl>
+                    <p:sldTgt/>
+                  </p:tgtEl>
+                </p:cond>
+              </p:prevCondLst>
+              <p:nextCondLst>
+                <p:cond evt="onNext" delay="0">
+                  <p:tgtEl>
+                    <p:sldTgt/>
+                  </p:tgtEl>
+                </p:cond>
+              </p:nextCondLst>
+            </p:seq>
+          </p:childTnLst>
+        </p:cTn>
+      </p:par>
+    </p:tnLst>
+    <p:bldLst>
+      <p:bldP spid="5" grpId="0"/>
+      <p:bldP spid="7" grpId="0"/>
+      <p:bldP spid="9" grpId="0"/>
+      <p:bldP spid="11" grpId="0"/>
+    </p:bldLst>
+  </p:timing>
+</p:sld>
+</file>
+
+<file path=ppt/slides/slide4.xml><?xml version="1.0" encoding="utf-8"?>
+<p:sld xmlns:a="http://schemas.openxmlformats.org/drawingml/2006/main" xmlns:r="http://schemas.openxmlformats.org/officeDocument/2006/relationships" xmlns:p="http://schemas.openxmlformats.org/presentationml/2006/main">
+  <p:cSld>
+    <p:spTree>
+      <p:nvGrpSpPr>
+        <p:cNvPr id="1" name=""/>
+        <p:cNvGrpSpPr/>
+        <p:nvPr/>
+      </p:nvGrpSpPr>
+      <p:grpSpPr>
+        <a:xfrm>
+          <a:off x="0" y="0"/>
+          <a:ext cx="0" cy="0"/>
+          <a:chOff x="0" y="0"/>
+          <a:chExt cx="0" cy="0"/>
+        </a:xfrm>
+      </p:grpSpPr>
+      <p:sp>
+        <p:nvSpPr>
+          <p:cNvPr id="4" name="文本框 3">
+            <a:extLst>
+              <a:ext uri="{FF2B5EF4-FFF2-40B4-BE49-F238E27FC236}">
+                <a16:creationId xmlns:a16="http://schemas.microsoft.com/office/drawing/2014/main" id="{2E14272D-24E9-46D5-9B4C-75AFCBB228E9}"/>
+              </a:ext>
+            </a:extLst>
+          </p:cNvPr>
+          <p:cNvSpPr txBox="1"/>
+          <p:nvPr/>
+        </p:nvSpPr>
+        <p:spPr>
+          <a:xfrm>
+            <a:off x="1148138" y="3939049"/>
+            <a:ext cx="8180798" cy="369333"/>
+          </a:xfrm>
+          <a:prstGeom prst="rect">
+            <a:avLst/>
+          </a:prstGeom>
+          <a:noFill/>
+        </p:spPr>
+        <p:txBody>
+          <a:bodyPr wrap="square" rtlCol="0">
+            <a:spAutoFit/>
+          </a:bodyPr>
+          <a:lstStyle/>
+          <a:p>
+            <a:r>
+              <a:rPr lang="zh-CN" altLang="en-US" dirty="0"/>
+              <a:t>只是有翅膀用四足爬行的物中，但是有翅膀有四足的爬物，你们都当以为可憎。</a:t>
+            </a:r>
+          </a:p>
+        </p:txBody>
+      </p:sp>
+      <p:sp>
+        <p:nvSpPr>
+          <p:cNvPr id="7" name="文本框 6">
+            <a:extLst>
+              <a:ext uri="{FF2B5EF4-FFF2-40B4-BE49-F238E27FC236}">
+                <a16:creationId xmlns:a16="http://schemas.microsoft.com/office/drawing/2014/main" id="{E4CD5A35-53F3-411C-843B-C41A34C8F76E}"/>
+              </a:ext>
+            </a:extLst>
+          </p:cNvPr>
+          <p:cNvSpPr txBox="1"/>
+          <p:nvPr/>
+        </p:nvSpPr>
+        <p:spPr>
+          <a:xfrm>
+            <a:off x="1148138" y="1898853"/>
+            <a:ext cx="5032147" cy="369332"/>
+          </a:xfrm>
+          <a:prstGeom prst="rect">
+            <a:avLst/>
+          </a:prstGeom>
+          <a:noFill/>
+        </p:spPr>
+        <p:txBody>
+          <a:bodyPr wrap="none" rtlCol="0">
+            <a:spAutoFit/>
+          </a:bodyPr>
+          <a:lstStyle/>
+          <a:p>
+            <a:r>
+              <a:rPr lang="zh-CN" altLang="en-US" dirty="0"/>
+              <a:t>凡有翅膀用四足爬行的物，你们都当以为可憎。</a:t>
+            </a:r>
+          </a:p>
+        </p:txBody>
+      </p:sp>
+      <p:sp>
+        <p:nvSpPr>
+          <p:cNvPr id="8" name="文本框 7">
+            <a:extLst>
+              <a:ext uri="{FF2B5EF4-FFF2-40B4-BE49-F238E27FC236}">
+                <a16:creationId xmlns:a16="http://schemas.microsoft.com/office/drawing/2014/main" id="{CB3B949B-B7B6-4AD3-A24C-78178314F9A9}"/>
+              </a:ext>
+            </a:extLst>
+          </p:cNvPr>
+          <p:cNvSpPr txBox="1"/>
+          <p:nvPr/>
+        </p:nvSpPr>
+        <p:spPr>
+          <a:xfrm>
+            <a:off x="1710646" y="2408902"/>
+            <a:ext cx="4570482" cy="369332"/>
+          </a:xfrm>
+          <a:prstGeom prst="rect">
+            <a:avLst/>
+          </a:prstGeom>
+          <a:noFill/>
+        </p:spPr>
+        <p:txBody>
+          <a:bodyPr wrap="none" rtlCol="0">
+            <a:spAutoFit/>
+          </a:bodyPr>
+          <a:lstStyle/>
+          <a:p>
+            <a:r>
+              <a:rPr lang="zh-CN" altLang="en-US" dirty="0"/>
+              <a:t>有足有腿，在地上蹦跳的，你们还可以吃。</a:t>
+            </a:r>
+          </a:p>
+        </p:txBody>
+      </p:sp>
+      <p:sp>
+        <p:nvSpPr>
+          <p:cNvPr id="9" name="文本框 8">
+            <a:extLst>
+              <a:ext uri="{FF2B5EF4-FFF2-40B4-BE49-F238E27FC236}">
+                <a16:creationId xmlns:a16="http://schemas.microsoft.com/office/drawing/2014/main" id="{732A9566-BB94-425E-9150-B2F19342BFB5}"/>
+              </a:ext>
+            </a:extLst>
+          </p:cNvPr>
+          <p:cNvSpPr txBox="1"/>
+          <p:nvPr/>
+        </p:nvSpPr>
+        <p:spPr>
+          <a:xfrm>
+            <a:off x="2229491" y="2918951"/>
+            <a:ext cx="5032147" cy="369332"/>
+          </a:xfrm>
+          <a:prstGeom prst="rect">
+            <a:avLst/>
+          </a:prstGeom>
+          <a:noFill/>
+        </p:spPr>
+        <p:txBody>
+          <a:bodyPr wrap="none" rtlCol="0">
+            <a:spAutoFit/>
+          </a:bodyPr>
+          <a:lstStyle/>
+          <a:p>
+            <a:r>
+              <a:rPr lang="zh-CN" altLang="en-US" dirty="0"/>
+              <a:t>其中有蝗虫、蚂蚱、蟋蟀与其类；蚱蜢与其类；</a:t>
+            </a:r>
+          </a:p>
+        </p:txBody>
+      </p:sp>
+      <p:sp>
+        <p:nvSpPr>
+          <p:cNvPr id="10" name="文本框 9">
+            <a:extLst>
+              <a:ext uri="{FF2B5EF4-FFF2-40B4-BE49-F238E27FC236}">
+                <a16:creationId xmlns:a16="http://schemas.microsoft.com/office/drawing/2014/main" id="{09E8B42A-3FFF-49D1-828D-A31EBC0F6F7B}"/>
+              </a:ext>
+            </a:extLst>
+          </p:cNvPr>
+          <p:cNvSpPr txBox="1"/>
+          <p:nvPr/>
+        </p:nvSpPr>
+        <p:spPr>
+          <a:xfrm>
+            <a:off x="1710646" y="3429000"/>
+            <a:ext cx="2262158" cy="369332"/>
+          </a:xfrm>
+          <a:prstGeom prst="rect">
+            <a:avLst/>
+          </a:prstGeom>
+          <a:noFill/>
+        </p:spPr>
+        <p:txBody>
+          <a:bodyPr wrap="none" rtlCol="0">
+            <a:spAutoFit/>
+          </a:bodyPr>
+          <a:lstStyle/>
+          <a:p>
+            <a:r>
+              <a:rPr lang="zh-CN" altLang="en-US" dirty="0"/>
+              <a:t>这些你们都可以吃。</a:t>
+            </a:r>
+          </a:p>
+        </p:txBody>
+      </p:sp>
+    </p:spTree>
+    <p:extLst>
+      <p:ext uri="{BB962C8B-B14F-4D97-AF65-F5344CB8AC3E}">
+        <p14:creationId xmlns:p14="http://schemas.microsoft.com/office/powerpoint/2010/main" val="2346187260"/>
+      </p:ext>
+    </p:extLst>
+  </p:cSld>
+  <p:clrMapOvr>
+    <a:masterClrMapping/>
+  </p:clrMapOvr>
+  <p:timing>
+    <p:tnLst>
+      <p:par>
+        <p:cTn id="1" dur="indefinite" restart="never" nodeType="tmRoot">
+          <p:childTnLst>
+            <p:seq concurrent="1" nextAc="seek">
+              <p:cTn id="2" dur="indefinite" nodeType="mainSeq">
+                <p:childTnLst>
+                  <p:par>
+                    <p:cTn id="3" fill="hold">
+                      <p:stCondLst>
+                        <p:cond delay="indefinite"/>
+                      </p:stCondLst>
+                      <p:childTnLst>
+                        <p:par>
+                          <p:cTn id="4" fill="hold">
+                            <p:stCondLst>
+                              <p:cond delay="0"/>
+                            </p:stCondLst>
+                            <p:childTnLst>
+                              <p:par>
+                                <p:cTn id="5" presetID="2" presetClass="entr" presetSubtype="2" fill="hold" grpId="0" nodeType="clickEffect">
+                                  <p:stCondLst>
+                                    <p:cond delay="0"/>
+                                  </p:stCondLst>
+                                  <p:childTnLst>
+                                    <p:set>
+                                      <p:cBhvr>
+                                        <p:cTn id="6" dur="1" fill="hold">
+                                          <p:stCondLst>
+                                            <p:cond delay="0"/>
+                                          </p:stCondLst>
+                                        </p:cTn>
+                                        <p:tgtEl>
+                                          <p:spTgt spid="7"/>
+                                        </p:tgtEl>
+                                        <p:attrNameLst>
+                                          <p:attrName>style.visibility</p:attrName>
+                                        </p:attrNameLst>
+                                      </p:cBhvr>
+                                      <p:to>
+                                        <p:strVal val="visible"/>
+                                      </p:to>
+                                    </p:set>
+                                    <p:anim calcmode="lin" valueType="num">
+                                      <p:cBhvr additive="base">
+                                        <p:cTn id="7" dur="500" fill="hold"/>
+                                        <p:tgtEl>
+                                          <p:spTgt spid="7"/>
+                                        </p:tgtEl>
+                                        <p:attrNameLst>
+                                          <p:attrName>ppt_x</p:attrName>
+                                        </p:attrNameLst>
+                                      </p:cBhvr>
+                                      <p:tavLst>
+                                        <p:tav tm="0">
+                                          <p:val>
+                                            <p:strVal val="1+#ppt_w/2"/>
+                                          </p:val>
+                                        </p:tav>
+                                        <p:tav tm="100000">
+                                          <p:val>
+                                            <p:strVal val="#ppt_x"/>
+                                          </p:val>
+                                        </p:tav>
+                                      </p:tavLst>
+                                    </p:anim>
+                                    <p:anim calcmode="lin" valueType="num">
+                                      <p:cBhvr additive="base">
+                                        <p:cTn id="8" dur="500" fill="hold"/>
+                                        <p:tgtEl>
+                                          <p:spTgt spid="7"/>
+                                        </p:tgtEl>
+                                        <p:attrNameLst>
+                                          <p:attrName>ppt_y</p:attrName>
+                                        </p:attrNameLst>
+                                      </p:cBhvr>
+                                      <p:tavLst>
+                                        <p:tav tm="0">
+                                          <p:val>
+                                            <p:strVal val="#ppt_y"/>
+                                          </p:val>
+                                        </p:tav>
+                                        <p:tav tm="100000">
+                                          <p:val>
+                                            <p:strVal val="#ppt_y"/>
+                                          </p:val>
+                                        </p:tav>
+                                      </p:tavLst>
+                                    </p:anim>
+                                  </p:childTnLst>
+                                </p:cTn>
+                              </p:par>
+                            </p:childTnLst>
+                          </p:cTn>
+                        </p:par>
+                      </p:childTnLst>
+                    </p:cTn>
+                  </p:par>
+                  <p:par>
+                    <p:cTn id="9" fill="hold">
+                      <p:stCondLst>
+                        <p:cond delay="indefinite"/>
+                      </p:stCondLst>
+                      <p:childTnLst>
+                        <p:par>
+                          <p:cTn id="10" fill="hold">
+                            <p:stCondLst>
+                              <p:cond delay="0"/>
+                            </p:stCondLst>
+                            <p:childTnLst>
+                              <p:par>
+                                <p:cTn id="11" presetID="2" presetClass="entr" presetSubtype="2" fill="hold" grpId="0" nodeType="clickEffect">
+                                  <p:stCondLst>
+                                    <p:cond delay="0"/>
+                                  </p:stCondLst>
+                                  <p:childTnLst>
+                                    <p:set>
+                                      <p:cBhvr>
+                                        <p:cTn id="12" dur="1" fill="hold">
+                                          <p:stCondLst>
+                                            <p:cond delay="0"/>
+                                          </p:stCondLst>
+                                        </p:cTn>
+                                        <p:tgtEl>
+                                          <p:spTgt spid="4"/>
+                                        </p:tgtEl>
+                                        <p:attrNameLst>
+                                          <p:attrName>style.visibility</p:attrName>
+                                        </p:attrNameLst>
+                                      </p:cBhvr>
+                                      <p:to>
+                                        <p:strVal val="visible"/>
+                                      </p:to>
+                                    </p:set>
+                                    <p:anim calcmode="lin" valueType="num">
+                                      <p:cBhvr additive="base">
+                                        <p:cTn id="13" dur="500" fill="hold"/>
+                                        <p:tgtEl>
+                                          <p:spTgt spid="4"/>
+                                        </p:tgtEl>
+                                        <p:attrNameLst>
+                                          <p:attrName>ppt_x</p:attrName>
+                                        </p:attrNameLst>
+                                      </p:cBhvr>
+                                      <p:tavLst>
+                                        <p:tav tm="0">
+                                          <p:val>
+                                            <p:strVal val="1+#ppt_w/2"/>
+                                          </p:val>
+                                        </p:tav>
+                                        <p:tav tm="100000">
+                                          <p:val>
+                                            <p:strVal val="#ppt_x"/>
+                                          </p:val>
+                                        </p:tav>
+                                      </p:tavLst>
+                                    </p:anim>
+                                    <p:anim calcmode="lin" valueType="num">
+                                      <p:cBhvr additive="base">
+                                        <p:cTn id="14" dur="500" fill="hold"/>
+                                        <p:tgtEl>
+                                          <p:spTgt spid="4"/>
+                                        </p:tgtEl>
+                                        <p:attrNameLst>
+                                          <p:attrName>ppt_y</p:attrName>
+                                        </p:attrNameLst>
+                                      </p:cBhvr>
+                                      <p:tavLst>
+                                        <p:tav tm="0">
+                                          <p:val>
+                                            <p:strVal val="#ppt_y"/>
+                                          </p:val>
+                                        </p:tav>
+                                        <p:tav tm="100000">
+                                          <p:val>
+                                            <p:strVal val="#ppt_y"/>
+                                          </p:val>
+                                        </p:tav>
+                                      </p:tavLst>
+                                    </p:anim>
+                                  </p:childTnLst>
+                                </p:cTn>
+                              </p:par>
+                            </p:childTnLst>
+                          </p:cTn>
+                        </p:par>
+                      </p:childTnLst>
+                    </p:cTn>
+                  </p:par>
+                  <p:par>
+                    <p:cTn id="15" fill="hold">
+                      <p:stCondLst>
+                        <p:cond delay="indefinite"/>
+                      </p:stCondLst>
+                      <p:childTnLst>
+                        <p:par>
+                          <p:cTn id="16" fill="hold">
+                            <p:stCondLst>
+                              <p:cond delay="0"/>
+                            </p:stCondLst>
+                            <p:childTnLst>
+                              <p:par>
+                                <p:cTn id="17" presetID="2" presetClass="entr" presetSubtype="2" fill="hold" grpId="0" nodeType="clickEffect">
+                                  <p:stCondLst>
+                                    <p:cond delay="0"/>
+                                  </p:stCondLst>
+                                  <p:childTnLst>
+                                    <p:set>
+                                      <p:cBhvr>
+                                        <p:cTn id="18" dur="1" fill="hold">
+                                          <p:stCondLst>
+                                            <p:cond delay="0"/>
+                                          </p:stCondLst>
+                                        </p:cTn>
+                                        <p:tgtEl>
+                                          <p:spTgt spid="8"/>
+                                        </p:tgtEl>
+                                        <p:attrNameLst>
+                                          <p:attrName>style.visibility</p:attrName>
+                                        </p:attrNameLst>
+                                      </p:cBhvr>
+                                      <p:to>
+                                        <p:strVal val="visible"/>
+                                      </p:to>
+                                    </p:set>
+                                    <p:anim calcmode="lin" valueType="num">
+                                      <p:cBhvr additive="base">
+                                        <p:cTn id="19" dur="500" fill="hold"/>
+                                        <p:tgtEl>
+                                          <p:spTgt spid="8"/>
+                                        </p:tgtEl>
+                                        <p:attrNameLst>
+                                          <p:attrName>ppt_x</p:attrName>
+                                        </p:attrNameLst>
+                                      </p:cBhvr>
+                                      <p:tavLst>
+                                        <p:tav tm="0">
+                                          <p:val>
+                                            <p:strVal val="1+#ppt_w/2"/>
+                                          </p:val>
+                                        </p:tav>
+                                        <p:tav tm="100000">
+                                          <p:val>
+                                            <p:strVal val="#ppt_x"/>
+                                          </p:val>
+                                        </p:tav>
+                                      </p:tavLst>
+                                    </p:anim>
+                                    <p:anim calcmode="lin" valueType="num">
+                                      <p:cBhvr additive="base">
+                                        <p:cTn id="20" dur="500" fill="hold"/>
+                                        <p:tgtEl>
+                                          <p:spTgt spid="8"/>
+                                        </p:tgtEl>
+                                        <p:attrNameLst>
+                                          <p:attrName>ppt_y</p:attrName>
+                                        </p:attrNameLst>
+                                      </p:cBhvr>
+                                      <p:tavLst>
+                                        <p:tav tm="0">
+                                          <p:val>
+                                            <p:strVal val="#ppt_y"/>
+                                          </p:val>
+                                        </p:tav>
+                                        <p:tav tm="100000">
+                                          <p:val>
+                                            <p:strVal val="#ppt_y"/>
+                                          </p:val>
+                                        </p:tav>
+                                      </p:tavLst>
+                                    </p:anim>
+                                  </p:childTnLst>
+                                </p:cTn>
+                              </p:par>
+                            </p:childTnLst>
+                          </p:cTn>
+                        </p:par>
+                      </p:childTnLst>
+                    </p:cTn>
+                  </p:par>
+                  <p:par>
+                    <p:cTn id="21" fill="hold">
+                      <p:stCondLst>
+                        <p:cond delay="indefinite"/>
+                      </p:stCondLst>
+                      <p:childTnLst>
+                        <p:par>
+                          <p:cTn id="22" fill="hold">
+                            <p:stCondLst>
+                              <p:cond delay="0"/>
+                            </p:stCondLst>
+                            <p:childTnLst>
+                              <p:par>
+                                <p:cTn id="23" presetID="2" presetClass="entr" presetSubtype="2" fill="hold" grpId="0" nodeType="clickEffect">
+                                  <p:stCondLst>
+                                    <p:cond delay="0"/>
+                                  </p:stCondLst>
+                                  <p:childTnLst>
+                                    <p:set>
+                                      <p:cBhvr>
+                                        <p:cTn id="24" dur="1" fill="hold">
+                                          <p:stCondLst>
+                                            <p:cond delay="0"/>
+                                          </p:stCondLst>
+                                        </p:cTn>
+                                        <p:tgtEl>
+                                          <p:spTgt spid="10"/>
+                                        </p:tgtEl>
+                                        <p:attrNameLst>
+                                          <p:attrName>style.visibility</p:attrName>
+                                        </p:attrNameLst>
+                                      </p:cBhvr>
+                                      <p:to>
+                                        <p:strVal val="visible"/>
+                                      </p:to>
+                                    </p:set>
+                                    <p:anim calcmode="lin" valueType="num">
+                                      <p:cBhvr additive="base">
+                                        <p:cTn id="25" dur="500" fill="hold"/>
+                                        <p:tgtEl>
+                                          <p:spTgt spid="10"/>
+                                        </p:tgtEl>
+                                        <p:attrNameLst>
+                                          <p:attrName>ppt_x</p:attrName>
+                                        </p:attrNameLst>
+                                      </p:cBhvr>
+                                      <p:tavLst>
+                                        <p:tav tm="0">
+                                          <p:val>
+                                            <p:strVal val="1+#ppt_w/2"/>
+                                          </p:val>
+                                        </p:tav>
+                                        <p:tav tm="100000">
+                                          <p:val>
+                                            <p:strVal val="#ppt_x"/>
+                                          </p:val>
+                                        </p:tav>
+                                      </p:tavLst>
+                                    </p:anim>
+                                    <p:anim calcmode="lin" valueType="num">
+                                      <p:cBhvr additive="base">
+                                        <p:cTn id="26" dur="500" fill="hold"/>
+                                        <p:tgtEl>
+                                          <p:spTgt spid="10"/>
+                                        </p:tgtEl>
+                                        <p:attrNameLst>
+                                          <p:attrName>ppt_y</p:attrName>
+                                        </p:attrNameLst>
+                                      </p:cBhvr>
+                                      <p:tavLst>
+                                        <p:tav tm="0">
+                                          <p:val>
+                                            <p:strVal val="#ppt_y"/>
+                                          </p:val>
+                                        </p:tav>
+                                        <p:tav tm="100000">
+                                          <p:val>
+                                            <p:strVal val="#ppt_y"/>
+                                          </p:val>
+                                        </p:tav>
+                                      </p:tavLst>
+                                    </p:anim>
+                                  </p:childTnLst>
+                                </p:cTn>
+                              </p:par>
+                            </p:childTnLst>
+                          </p:cTn>
+                        </p:par>
+                      </p:childTnLst>
+                    </p:cTn>
+                  </p:par>
+                  <p:par>
+                    <p:cTn id="27" fill="hold">
+                      <p:stCondLst>
+                        <p:cond delay="indefinite"/>
+                      </p:stCondLst>
+                      <p:childTnLst>
+                        <p:par>
+                          <p:cTn id="28" fill="hold">
+                            <p:stCondLst>
+                              <p:cond delay="0"/>
+                            </p:stCondLst>
+                            <p:childTnLst>
+                              <p:par>
+                                <p:cTn id="29" presetID="2" presetClass="entr" presetSubtype="2" fill="hold" grpId="0" nodeType="clickEffect">
+                                  <p:stCondLst>
+                                    <p:cond delay="0"/>
+                                  </p:stCondLst>
+                                  <p:childTnLst>
+                                    <p:set>
+                                      <p:cBhvr>
+                                        <p:cTn id="30" dur="1" fill="hold">
+                                          <p:stCondLst>
+                                            <p:cond delay="0"/>
+                                          </p:stCondLst>
+                                        </p:cTn>
+                                        <p:tgtEl>
+                                          <p:spTgt spid="9"/>
+                                        </p:tgtEl>
+                                        <p:attrNameLst>
+                                          <p:attrName>style.visibility</p:attrName>
+                                        </p:attrNameLst>
+                                      </p:cBhvr>
+                                      <p:to>
+                                        <p:strVal val="visible"/>
+                                      </p:to>
+                                    </p:set>
+                                    <p:anim calcmode="lin" valueType="num">
+                                      <p:cBhvr additive="base">
+                                        <p:cTn id="31" dur="500" fill="hold"/>
+                                        <p:tgtEl>
+                                          <p:spTgt spid="9"/>
+                                        </p:tgtEl>
+                                        <p:attrNameLst>
+                                          <p:attrName>ppt_x</p:attrName>
+                                        </p:attrNameLst>
+                                      </p:cBhvr>
+                                      <p:tavLst>
+                                        <p:tav tm="0">
+                                          <p:val>
+                                            <p:strVal val="1+#ppt_w/2"/>
+                                          </p:val>
+                                        </p:tav>
+                                        <p:tav tm="100000">
+                                          <p:val>
+                                            <p:strVal val="#ppt_x"/>
+                                          </p:val>
+                                        </p:tav>
+                                      </p:tavLst>
+                                    </p:anim>
+                                    <p:anim calcmode="lin" valueType="num">
+                                      <p:cBhvr additive="base">
+                                        <p:cTn id="32" dur="500" fill="hold"/>
+                                        <p:tgtEl>
+                                          <p:spTgt spid="9"/>
+                                        </p:tgtEl>
+                                        <p:attrNameLst>
+                                          <p:attrName>ppt_y</p:attrName>
+                                        </p:attrNameLst>
+                                      </p:cBhvr>
+                                      <p:tavLst>
+                                        <p:tav tm="0">
+                                          <p:val>
+                                            <p:strVal val="#ppt_y"/>
+                                          </p:val>
+                                        </p:tav>
+                                        <p:tav tm="100000">
+                                          <p:val>
+                                            <p:strVal val="#ppt_y"/>
+                                          </p:val>
+                                        </p:tav>
+                                      </p:tavLst>
+                                    </p:anim>
+                                  </p:childTnLst>
+                                </p:cTn>
+                              </p:par>
+                            </p:childTnLst>
+                          </p:cTn>
+                        </p:par>
+                      </p:childTnLst>
+                    </p:cTn>
+                  </p:par>
+                </p:childTnLst>
+              </p:cTn>
+              <p:prevCondLst>
+                <p:cond evt="onPrev" delay="0">
+                  <p:tgtEl>
+                    <p:sldTgt/>
+                  </p:tgtEl>
+                </p:cond>
+              </p:prevCondLst>
+              <p:nextCondLst>
+                <p:cond evt="onNext" delay="0">
+                  <p:tgtEl>
+                    <p:sldTgt/>
+                  </p:tgtEl>
+                </p:cond>
+              </p:nextCondLst>
+            </p:seq>
+          </p:childTnLst>
+        </p:cTn>
+      </p:par>
+    </p:tnLst>
+    <p:bldLst>
+      <p:bldP spid="4" grpId="0"/>
+      <p:bldP spid="7" grpId="0"/>
+      <p:bldP spid="8" grpId="0"/>
+      <p:bldP spid="9" grpId="0"/>
+      <p:bldP spid="10" grpId="0"/>
+    </p:bldLst>
+  </p:timing>
+</p:sld>
+</file>
+
+<file path=ppt/slides/slide5.xml><?xml version="1.0" encoding="utf-8"?>
+<p:sld xmlns:a="http://schemas.openxmlformats.org/drawingml/2006/main" xmlns:r="http://schemas.openxmlformats.org/officeDocument/2006/relationships" xmlns:p="http://schemas.openxmlformats.org/presentationml/2006/main">
+  <p:cSld>
+    <p:spTree>
+      <p:nvGrpSpPr>
+        <p:cNvPr id="1" name=""/>
+        <p:cNvGrpSpPr/>
+        <p:nvPr/>
+      </p:nvGrpSpPr>
+      <p:grpSpPr>
+        <a:xfrm>
+          <a:off x="0" y="0"/>
+          <a:ext cx="0" cy="0"/>
+          <a:chOff x="0" y="0"/>
+          <a:chExt cx="0" cy="0"/>
+        </a:xfrm>
+      </p:grpSpPr>
+      <p:sp>
+        <p:nvSpPr>
+          <p:cNvPr id="2" name="标题 1">
+            <a:extLst>
+              <a:ext uri="{FF2B5EF4-FFF2-40B4-BE49-F238E27FC236}">
+                <a16:creationId xmlns:a16="http://schemas.microsoft.com/office/drawing/2014/main" id="{26EE1822-4B04-424F-A6F8-CA2A537B252D}"/>
+              </a:ext>
+            </a:extLst>
+          </p:cNvPr>
+          <p:cNvSpPr>
+            <a:spLocks noGrp="1"/>
+          </p:cNvSpPr>
+          <p:nvPr>
+            <p:ph type="title"/>
+          </p:nvPr>
+        </p:nvSpPr>
+        <p:spPr>
+          <a:xfrm>
+            <a:off x="3532703" y="2442205"/>
+            <a:ext cx="5126594" cy="1173005"/>
+          </a:xfrm>
+        </p:spPr>
+        <p:txBody>
+          <a:bodyPr/>
+          <a:lstStyle/>
+          <a:p>
+            <a:r>
+              <a:rPr lang="zh-CN" altLang="en-US" dirty="0"/>
+              <a:t>还有哪些三明治呢？</a:t>
+            </a:r>
+          </a:p>
+        </p:txBody>
+      </p:sp>
+    </p:spTree>
+    <p:extLst>
+      <p:ext uri="{BB962C8B-B14F-4D97-AF65-F5344CB8AC3E}">
+        <p14:creationId xmlns:p14="http://schemas.microsoft.com/office/powerpoint/2010/main" val="2531652713"/>
+      </p:ext>
+    </p:extLst>
+  </p:cSld>
+  <p:clrMapOvr>
+    <a:masterClrMapping/>
+  </p:clrMapOvr>
+</p:sld>
+</file>
+
+<file path=ppt/slides/slide6.xml><?xml version="1.0" encoding="utf-8"?>
+<p:sld xmlns:a="http://schemas.openxmlformats.org/drawingml/2006/main" xmlns:r="http://schemas.openxmlformats.org/officeDocument/2006/relationships" xmlns:p="http://schemas.openxmlformats.org/presentationml/2006/main">
+  <p:cSld>
+    <p:spTree>
+      <p:nvGrpSpPr>
+        <p:cNvPr id="1" name=""/>
+        <p:cNvGrpSpPr/>
+        <p:nvPr/>
+      </p:nvGrpSpPr>
+      <p:grpSpPr>
+        <a:xfrm>
+          <a:off x="0" y="0"/>
+          <a:ext cx="0" cy="0"/>
+          <a:chOff x="0" y="0"/>
+          <a:chExt cx="0" cy="0"/>
+        </a:xfrm>
+      </p:grpSpPr>
+      <p:sp>
+        <p:nvSpPr>
+          <p:cNvPr id="4" name="标题 1">
+            <a:extLst>
+              <a:ext uri="{FF2B5EF4-FFF2-40B4-BE49-F238E27FC236}">
+                <a16:creationId xmlns:a16="http://schemas.microsoft.com/office/drawing/2014/main" id="{C1A6E0E2-0905-44D9-BE3C-E61A1F65FD36}"/>
+              </a:ext>
+            </a:extLst>
+          </p:cNvPr>
+          <p:cNvSpPr txBox="1">
+            <a:spLocks/>
+          </p:cNvSpPr>
+          <p:nvPr/>
+        </p:nvSpPr>
+        <p:spPr>
+          <a:xfrm>
+            <a:off x="4501855" y="2373473"/>
+            <a:ext cx="2734622" cy="1223571"/>
+          </a:xfrm>
+          <a:prstGeom prst="rect">
+            <a:avLst/>
+          </a:prstGeom>
+        </p:spPr>
+        <p:txBody>
+          <a:bodyPr vert="horz" lIns="91440" tIns="45720" rIns="91440" bIns="45720" rtlCol="0" anchor="ctr">
+            <a:normAutofit/>
+          </a:bodyPr>
+          <a:lstStyle>
+            <a:lvl1pPr algn="l" defTabSz="914400" rtl="0" eaLnBrk="1" latinLnBrk="0" hangingPunct="1">
+              <a:lnSpc>
+                <a:spcPct val="90000"/>
+              </a:lnSpc>
+              <a:spcBef>
+                <a:spcPct val="0"/>
+              </a:spcBef>
+              <a:buNone/>
+              <a:defRPr sz="4400" kern="1200">
+                <a:solidFill>
+                  <a:schemeClr val="tx1"/>
+                </a:solidFill>
+                <a:latin typeface="+mj-lt"/>
+                <a:ea typeface="+mj-ea"/>
+                <a:cs typeface="+mj-cs"/>
+              </a:defRPr>
+            </a:lvl1pPr>
+          </a:lstStyle>
+          <a:p>
+            <a:r>
+              <a:rPr lang="zh-CN" altLang="en-US" dirty="0"/>
+              <a:t>排比结构</a:t>
+            </a:r>
+          </a:p>
+        </p:txBody>
+      </p:sp>
+    </p:spTree>
+    <p:extLst>
+      <p:ext uri="{BB962C8B-B14F-4D97-AF65-F5344CB8AC3E}">
+        <p14:creationId xmlns:p14="http://schemas.microsoft.com/office/powerpoint/2010/main" val="2929658883"/>
+      </p:ext>
+    </p:extLst>
+  </p:cSld>
+  <p:clrMapOvr>
+    <a:masterClrMapping/>
+  </p:clrMapOvr>
+</p:sld>
+</file>
+
+<file path=ppt/slides/slide7.xml><?xml version="1.0" encoding="utf-8"?>
+<p:sld xmlns:a="http://schemas.openxmlformats.org/drawingml/2006/main" xmlns:r="http://schemas.openxmlformats.org/officeDocument/2006/relationships" xmlns:p="http://schemas.openxmlformats.org/presentationml/2006/main">
+  <p:cSld>
+    <p:spTree>
+      <p:nvGrpSpPr>
+        <p:cNvPr id="1" name=""/>
+        <p:cNvGrpSpPr/>
+        <p:nvPr/>
+      </p:nvGrpSpPr>
+      <p:grpSpPr>
+        <a:xfrm>
+          <a:off x="0" y="0"/>
+          <a:ext cx="0" cy="0"/>
+          <a:chOff x="0" y="0"/>
+          <a:chExt cx="0" cy="0"/>
+        </a:xfrm>
+      </p:grpSpPr>
+      <p:sp>
+        <p:nvSpPr>
+          <p:cNvPr id="7" name="文本框 6">
+            <a:extLst>
+              <a:ext uri="{FF2B5EF4-FFF2-40B4-BE49-F238E27FC236}">
+                <a16:creationId xmlns:a16="http://schemas.microsoft.com/office/drawing/2014/main" id="{463EBA20-F9CD-49A4-BFF1-24E50A992367}"/>
+              </a:ext>
+            </a:extLst>
+          </p:cNvPr>
+          <p:cNvSpPr txBox="1"/>
+          <p:nvPr/>
+        </p:nvSpPr>
+        <p:spPr>
+          <a:xfrm>
+            <a:off x="1551755" y="1731039"/>
+            <a:ext cx="9324155" cy="646331"/>
+          </a:xfrm>
+          <a:prstGeom prst="rect">
+            <a:avLst/>
+          </a:prstGeom>
+          <a:noFill/>
+        </p:spPr>
+        <p:txBody>
+          <a:bodyPr wrap="square">
+            <a:spAutoFit/>
+          </a:bodyPr>
+          <a:lstStyle/>
+          <a:p>
+            <a:r>
+              <a:rPr lang="zh-CN" altLang="en-US" sz="3600" dirty="0"/>
+              <a:t>凡摸了死的，必不洁净到晚上。</a:t>
+            </a:r>
+          </a:p>
+        </p:txBody>
+      </p:sp>
+      <p:sp>
+        <p:nvSpPr>
+          <p:cNvPr id="9" name="文本框 8">
+            <a:extLst>
+              <a:ext uri="{FF2B5EF4-FFF2-40B4-BE49-F238E27FC236}">
+                <a16:creationId xmlns:a16="http://schemas.microsoft.com/office/drawing/2014/main" id="{881ADEBF-1EB2-489B-B9D1-0FE639275306}"/>
+              </a:ext>
+            </a:extLst>
+          </p:cNvPr>
+          <p:cNvSpPr txBox="1"/>
+          <p:nvPr/>
+        </p:nvSpPr>
+        <p:spPr>
+          <a:xfrm>
+            <a:off x="1551755" y="2500104"/>
+            <a:ext cx="9324155" cy="646331"/>
+          </a:xfrm>
+          <a:prstGeom prst="rect">
+            <a:avLst/>
+          </a:prstGeom>
+          <a:noFill/>
+        </p:spPr>
+        <p:txBody>
+          <a:bodyPr wrap="square">
+            <a:spAutoFit/>
+          </a:bodyPr>
+          <a:lstStyle/>
+          <a:p>
+            <a:r>
+              <a:rPr lang="zh-CN" altLang="en-US" sz="3600" dirty="0"/>
+              <a:t>凡拿了死的，必不洁净到晚上，并要洗衣服。</a:t>
+            </a:r>
+          </a:p>
+        </p:txBody>
+      </p:sp>
+    </p:spTree>
+    <p:extLst>
+      <p:ext uri="{BB962C8B-B14F-4D97-AF65-F5344CB8AC3E}">
+        <p14:creationId xmlns:p14="http://schemas.microsoft.com/office/powerpoint/2010/main" val="2108100192"/>
+      </p:ext>
+    </p:extLst>
+  </p:cSld>
+  <p:clrMapOvr>
+    <a:masterClrMapping/>
+  </p:clrMapOvr>
+</p:sld>
+</file>
+
+<file path=ppt/slides/slide8.xml><?xml version="1.0" encoding="utf-8"?>
+<p:sld xmlns:a="http://schemas.openxmlformats.org/drawingml/2006/main" xmlns:r="http://schemas.openxmlformats.org/officeDocument/2006/relationships" xmlns:p="http://schemas.openxmlformats.org/presentationml/2006/main">
+  <p:cSld>
+    <p:spTree>
+      <p:nvGrpSpPr>
+        <p:cNvPr id="1" name=""/>
+        <p:cNvGrpSpPr/>
+        <p:nvPr/>
+      </p:nvGrpSpPr>
+      <p:grpSpPr>
+        <a:xfrm>
+          <a:off x="0" y="0"/>
+          <a:ext cx="0" cy="0"/>
+          <a:chOff x="0" y="0"/>
+          <a:chExt cx="0" cy="0"/>
+        </a:xfrm>
+      </p:grpSpPr>
+      <p:sp>
+        <p:nvSpPr>
+          <p:cNvPr id="4" name="文本框 3">
+            <a:extLst>
+              <a:ext uri="{FF2B5EF4-FFF2-40B4-BE49-F238E27FC236}">
+                <a16:creationId xmlns:a16="http://schemas.microsoft.com/office/drawing/2014/main" id="{07CD4249-E426-472C-930A-0871E08A7843}"/>
+              </a:ext>
+            </a:extLst>
+          </p:cNvPr>
+          <p:cNvSpPr txBox="1"/>
+          <p:nvPr/>
+        </p:nvSpPr>
+        <p:spPr>
+          <a:xfrm>
+            <a:off x="1174792" y="4489654"/>
+            <a:ext cx="10809297" cy="646331"/>
+          </a:xfrm>
+          <a:prstGeom prst="rect">
+            <a:avLst/>
+          </a:prstGeom>
+          <a:noFill/>
+        </p:spPr>
+        <p:txBody>
+          <a:bodyPr wrap="square" anchor="ctr">
+            <a:spAutoFit/>
+          </a:bodyPr>
+          <a:lstStyle/>
+          <a:p>
+            <a:r>
+              <a:rPr lang="zh-CN" altLang="en-US" sz="3600" dirty="0"/>
+              <a:t>拿其尸的，必不洁净到晚上，并要洗衣服。</a:t>
+            </a:r>
+          </a:p>
+        </p:txBody>
+      </p:sp>
+      <p:sp>
+        <p:nvSpPr>
+          <p:cNvPr id="6" name="文本框 5">
+            <a:extLst>
+              <a:ext uri="{FF2B5EF4-FFF2-40B4-BE49-F238E27FC236}">
+                <a16:creationId xmlns:a16="http://schemas.microsoft.com/office/drawing/2014/main" id="{430455D8-B276-4726-856D-C8F6A413D0DA}"/>
+              </a:ext>
+            </a:extLst>
+          </p:cNvPr>
+          <p:cNvSpPr txBox="1"/>
+          <p:nvPr/>
+        </p:nvSpPr>
+        <p:spPr>
+          <a:xfrm>
+            <a:off x="436006" y="1162712"/>
+            <a:ext cx="10809297" cy="646331"/>
+          </a:xfrm>
+          <a:prstGeom prst="rect">
+            <a:avLst/>
+          </a:prstGeom>
+          <a:noFill/>
+        </p:spPr>
+        <p:txBody>
+          <a:bodyPr wrap="square" anchor="ctr">
+            <a:spAutoFit/>
+          </a:bodyPr>
+          <a:lstStyle/>
+          <a:p>
+            <a:r>
+              <a:rPr lang="zh-CN" altLang="en-US" sz="3600" dirty="0"/>
+              <a:t>凡走兽分蹄不成两瓣、也不倒嚼的，是与你们不洁净；</a:t>
+            </a:r>
+          </a:p>
+        </p:txBody>
+      </p:sp>
+      <p:sp>
+        <p:nvSpPr>
+          <p:cNvPr id="8" name="文本框 7">
+            <a:extLst>
+              <a:ext uri="{FF2B5EF4-FFF2-40B4-BE49-F238E27FC236}">
+                <a16:creationId xmlns:a16="http://schemas.microsoft.com/office/drawing/2014/main" id="{98AFA0C2-E6BC-4355-8EE0-2D150F0300EF}"/>
+              </a:ext>
+            </a:extLst>
+          </p:cNvPr>
+          <p:cNvSpPr txBox="1"/>
+          <p:nvPr/>
+        </p:nvSpPr>
+        <p:spPr>
+          <a:xfrm>
+            <a:off x="1174792" y="1844875"/>
+            <a:ext cx="10809297" cy="646331"/>
+          </a:xfrm>
+          <a:prstGeom prst="rect">
+            <a:avLst/>
+          </a:prstGeom>
+          <a:noFill/>
+        </p:spPr>
+        <p:txBody>
+          <a:bodyPr wrap="square" anchor="ctr">
+            <a:spAutoFit/>
+          </a:bodyPr>
+          <a:lstStyle/>
+          <a:p>
+            <a:r>
+              <a:rPr lang="zh-CN" altLang="en-US" sz="3600" dirty="0"/>
+              <a:t>凡摸了的就不洁净。</a:t>
+            </a:r>
+          </a:p>
+        </p:txBody>
+      </p:sp>
+      <p:sp>
+        <p:nvSpPr>
+          <p:cNvPr id="10" name="文本框 9">
+            <a:extLst>
+              <a:ext uri="{FF2B5EF4-FFF2-40B4-BE49-F238E27FC236}">
+                <a16:creationId xmlns:a16="http://schemas.microsoft.com/office/drawing/2014/main" id="{BB2412F5-821B-4AD6-BAC9-F232708E5239}"/>
+              </a:ext>
+            </a:extLst>
+          </p:cNvPr>
+          <p:cNvSpPr txBox="1"/>
+          <p:nvPr/>
+        </p:nvSpPr>
+        <p:spPr>
+          <a:xfrm>
+            <a:off x="436006" y="2986020"/>
+            <a:ext cx="10809297" cy="646331"/>
+          </a:xfrm>
+          <a:prstGeom prst="rect">
+            <a:avLst/>
+          </a:prstGeom>
+          <a:noFill/>
+        </p:spPr>
+        <p:txBody>
+          <a:bodyPr wrap="square" anchor="ctr">
+            <a:spAutoFit/>
+          </a:bodyPr>
+          <a:lstStyle/>
+          <a:p>
+            <a:r>
+              <a:rPr lang="zh-CN" altLang="en-US" sz="3600" dirty="0"/>
+              <a:t>凡四足的走兽，用掌行走的，是与你们不洁净；</a:t>
+            </a:r>
+          </a:p>
+        </p:txBody>
+      </p:sp>
+      <p:sp>
+        <p:nvSpPr>
+          <p:cNvPr id="12" name="文本框 11">
+            <a:extLst>
+              <a:ext uri="{FF2B5EF4-FFF2-40B4-BE49-F238E27FC236}">
+                <a16:creationId xmlns:a16="http://schemas.microsoft.com/office/drawing/2014/main" id="{3807C5C1-5A33-4C8F-9A5E-8C716939F461}"/>
+              </a:ext>
+            </a:extLst>
+          </p:cNvPr>
+          <p:cNvSpPr txBox="1"/>
+          <p:nvPr/>
+        </p:nvSpPr>
+        <p:spPr>
+          <a:xfrm>
+            <a:off x="1174792" y="3737837"/>
+            <a:ext cx="10809297" cy="646331"/>
+          </a:xfrm>
+          <a:prstGeom prst="rect">
+            <a:avLst/>
+          </a:prstGeom>
+          <a:noFill/>
+        </p:spPr>
+        <p:txBody>
+          <a:bodyPr wrap="square" anchor="ctr">
+            <a:spAutoFit/>
+          </a:bodyPr>
+          <a:lstStyle/>
+          <a:p>
+            <a:r>
+              <a:rPr lang="zh-CN" altLang="en-US" sz="3600" dirty="0"/>
+              <a:t>摸其尸的，必不洁净到晚上。</a:t>
+            </a:r>
+          </a:p>
+        </p:txBody>
+      </p:sp>
+    </p:spTree>
+    <p:extLst>
+      <p:ext uri="{BB962C8B-B14F-4D97-AF65-F5344CB8AC3E}">
+        <p14:creationId xmlns:p14="http://schemas.microsoft.com/office/powerpoint/2010/main" val="1803403728"/>
+      </p:ext>
+    </p:extLst>
+  </p:cSld>
+  <p:clrMapOvr>
+    <a:masterClrMapping/>
+  </p:clrMapOvr>
+  <p:timing>
+    <p:tnLst>
+      <p:par>
+        <p:cTn id="1" dur="indefinite" restart="never" nodeType="tmRoot">
+          <p:childTnLst>
+            <p:seq concurrent="1" nextAc="seek">
+              <p:cTn id="2" dur="indefinite" nodeType="mainSeq">
+                <p:childTnLst>
+                  <p:par>
+                    <p:cTn id="3" fill="hold">
+                      <p:stCondLst>
+                        <p:cond delay="indefinite"/>
+                      </p:stCondLst>
+                      <p:childTnLst>
+                        <p:par>
+                          <p:cTn id="4" fill="hold">
+                            <p:stCondLst>
+                              <p:cond delay="0"/>
+                            </p:stCondLst>
+                            <p:childTnLst>
+                              <p:par>
+                                <p:cTn id="5" presetID="10" presetClass="entr" presetSubtype="0" fill="hold" grpId="0" nodeType="clickEffect">
+                                  <p:stCondLst>
+                                    <p:cond delay="0"/>
+                                  </p:stCondLst>
+                                  <p:childTnLst>
+                                    <p:set>
+                                      <p:cBhvr>
+                                        <p:cTn id="6" dur="1" fill="hold">
+                                          <p:stCondLst>
+                                            <p:cond delay="0"/>
+                                          </p:stCondLst>
+                                        </p:cTn>
+                                        <p:tgtEl>
+                                          <p:spTgt spid="6"/>
+                                        </p:tgtEl>
+                                        <p:attrNameLst>
+                                          <p:attrName>style.visibility</p:attrName>
+                                        </p:attrNameLst>
+                                      </p:cBhvr>
+                                      <p:to>
+                                        <p:strVal val="visible"/>
+                                      </p:to>
+                                    </p:set>
+                                    <p:animEffect transition="in" filter="fade">
+                                      <p:cBhvr>
+                                        <p:cTn id="7" dur="2000"/>
+                                        <p:tgtEl>
+                                          <p:spTgt spid="6"/>
+                                        </p:tgtEl>
+                                      </p:cBhvr>
+                                    </p:animEffect>
+                                  </p:childTnLst>
+                                </p:cTn>
+                              </p:par>
+                            </p:childTnLst>
+                          </p:cTn>
+                        </p:par>
+                      </p:childTnLst>
+                    </p:cTn>
+                  </p:par>
+                  <p:par>
+                    <p:cTn id="8" fill="hold">
+                      <p:stCondLst>
+                        <p:cond delay="indefinite"/>
+                      </p:stCondLst>
+                      <p:childTnLst>
+                        <p:par>
+                          <p:cTn id="9" fill="hold">
+                            <p:stCondLst>
+                              <p:cond delay="0"/>
+                            </p:stCondLst>
+                            <p:childTnLst>
+                              <p:par>
+                                <p:cTn id="10" presetID="10" presetClass="entr" presetSubtype="0" fill="hold" grpId="0" nodeType="clickEffect">
+                                  <p:stCondLst>
+                                    <p:cond delay="0"/>
+                                  </p:stCondLst>
+                                  <p:childTnLst>
+                                    <p:set>
+                                      <p:cBhvr>
+                                        <p:cTn id="11" dur="1" fill="hold">
+                                          <p:stCondLst>
+                                            <p:cond delay="0"/>
+                                          </p:stCondLst>
+                                        </p:cTn>
+                                        <p:tgtEl>
+                                          <p:spTgt spid="10"/>
+                                        </p:tgtEl>
+                                        <p:attrNameLst>
+                                          <p:attrName>style.visibility</p:attrName>
+                                        </p:attrNameLst>
+                                      </p:cBhvr>
+                                      <p:to>
+                                        <p:strVal val="visible"/>
+                                      </p:to>
+                                    </p:set>
+                                    <p:animEffect transition="in" filter="fade">
+                                      <p:cBhvr>
+                                        <p:cTn id="12" dur="2000"/>
+                                        <p:tgtEl>
+                                          <p:spTgt spid="10"/>
+                                        </p:tgtEl>
+                                      </p:cBhvr>
+                                    </p:animEffect>
+                                  </p:childTnLst>
+                                </p:cTn>
+                              </p:par>
+                            </p:childTnLst>
+                          </p:cTn>
+                        </p:par>
+                      </p:childTnLst>
+                    </p:cTn>
+                  </p:par>
+                  <p:par>
+                    <p:cTn id="13" fill="hold">
+                      <p:stCondLst>
+                        <p:cond delay="indefinite"/>
+                      </p:stCondLst>
+                      <p:childTnLst>
+                        <p:par>
+                          <p:cTn id="14" fill="hold">
+                            <p:stCondLst>
+                              <p:cond delay="0"/>
+                            </p:stCondLst>
+                            <p:childTnLst>
+                              <p:par>
+                                <p:cTn id="15" presetID="10" presetClass="entr" presetSubtype="0" fill="hold" grpId="0" nodeType="clickEffect">
+                                  <p:stCondLst>
+                                    <p:cond delay="0"/>
+                                  </p:stCondLst>
+                                  <p:childTnLst>
+                                    <p:set>
+                                      <p:cBhvr>
+                                        <p:cTn id="16" dur="1" fill="hold">
+                                          <p:stCondLst>
+                                            <p:cond delay="0"/>
+                                          </p:stCondLst>
+                                        </p:cTn>
+                                        <p:tgtEl>
+                                          <p:spTgt spid="8"/>
+                                        </p:tgtEl>
+                                        <p:attrNameLst>
+                                          <p:attrName>style.visibility</p:attrName>
+                                        </p:attrNameLst>
+                                      </p:cBhvr>
+                                      <p:to>
+                                        <p:strVal val="visible"/>
+                                      </p:to>
+                                    </p:set>
+                                    <p:animEffect transition="in" filter="fade">
+                                      <p:cBhvr>
+                                        <p:cTn id="17" dur="2000"/>
+                                        <p:tgtEl>
+                                          <p:spTgt spid="8"/>
+                                        </p:tgtEl>
+                                      </p:cBhvr>
+                                    </p:animEffect>
+                                  </p:childTnLst>
+                                </p:cTn>
+                              </p:par>
+                            </p:childTnLst>
+                          </p:cTn>
+                        </p:par>
+                      </p:childTnLst>
+                    </p:cTn>
+                  </p:par>
+                  <p:par>
+                    <p:cTn id="18" fill="hold">
+                      <p:stCondLst>
+                        <p:cond delay="indefinite"/>
+                      </p:stCondLst>
+                      <p:childTnLst>
+                        <p:par>
+                          <p:cTn id="19" fill="hold">
+                            <p:stCondLst>
+                              <p:cond delay="0"/>
+                            </p:stCondLst>
+                            <p:childTnLst>
+                              <p:par>
+                                <p:cTn id="20" presetID="10" presetClass="entr" presetSubtype="0" fill="hold" grpId="0" nodeType="clickEffect">
+                                  <p:stCondLst>
+                                    <p:cond delay="0"/>
+                                  </p:stCondLst>
+                                  <p:childTnLst>
+                                    <p:set>
+                                      <p:cBhvr>
+                                        <p:cTn id="21" dur="1" fill="hold">
+                                          <p:stCondLst>
+                                            <p:cond delay="0"/>
+                                          </p:stCondLst>
+                                        </p:cTn>
+                                        <p:tgtEl>
+                                          <p:spTgt spid="12"/>
+                                        </p:tgtEl>
+                                        <p:attrNameLst>
+                                          <p:attrName>style.visibility</p:attrName>
+                                        </p:attrNameLst>
+                                      </p:cBhvr>
+                                      <p:to>
+                                        <p:strVal val="visible"/>
+                                      </p:to>
+                                    </p:set>
+                                    <p:animEffect transition="in" filter="fade">
+                                      <p:cBhvr>
+                                        <p:cTn id="22" dur="2000"/>
+                                        <p:tgtEl>
+                                          <p:spTgt spid="12"/>
+                                        </p:tgtEl>
+                                      </p:cBhvr>
+                                    </p:animEffect>
+                                  </p:childTnLst>
+                                </p:cTn>
+                              </p:par>
+                            </p:childTnLst>
+                          </p:cTn>
+                        </p:par>
+                      </p:childTnLst>
+                    </p:cTn>
+                  </p:par>
+                  <p:par>
+                    <p:cTn id="23" fill="hold">
+                      <p:stCondLst>
+                        <p:cond delay="indefinite"/>
+                      </p:stCondLst>
+                      <p:childTnLst>
+                        <p:par>
+                          <p:cTn id="24" fill="hold">
+                            <p:stCondLst>
+                              <p:cond delay="0"/>
+                            </p:stCondLst>
+                            <p:childTnLst>
+                              <p:par>
+                                <p:cTn id="25" presetID="10" presetClass="entr" presetSubtype="0" fill="hold" grpId="0" nodeType="clickEffect">
+                                  <p:stCondLst>
+                                    <p:cond delay="0"/>
+                                  </p:stCondLst>
+                                  <p:childTnLst>
+                                    <p:set>
+                                      <p:cBhvr>
+                                        <p:cTn id="26" dur="1" fill="hold">
+                                          <p:stCondLst>
+                                            <p:cond delay="0"/>
+                                          </p:stCondLst>
+                                        </p:cTn>
+                                        <p:tgtEl>
+                                          <p:spTgt spid="4"/>
+                                        </p:tgtEl>
+                                        <p:attrNameLst>
+                                          <p:attrName>style.visibility</p:attrName>
+                                        </p:attrNameLst>
+                                      </p:cBhvr>
+                                      <p:to>
+                                        <p:strVal val="visible"/>
+                                      </p:to>
+                                    </p:set>
+                                    <p:animEffect transition="in" filter="fade">
+                                      <p:cBhvr>
+                                        <p:cTn id="27" dur="2000"/>
+                                        <p:tgtEl>
+                                          <p:spTgt spid="4"/>
+                                        </p:tgtEl>
+                                      </p:cBhvr>
+                                    </p:animEffect>
+                                  </p:childTnLst>
+                                </p:cTn>
+                              </p:par>
+                            </p:childTnLst>
+                          </p:cTn>
+                        </p:par>
+                      </p:childTnLst>
+                    </p:cTn>
+                  </p:par>
+                </p:childTnLst>
+              </p:cTn>
+              <p:prevCondLst>
+                <p:cond evt="onPrev" delay="0">
+                  <p:tgtEl>
+                    <p:sldTgt/>
+                  </p:tgtEl>
+                </p:cond>
+              </p:prevCondLst>
+              <p:nextCondLst>
+                <p:cond evt="onNext" delay="0">
+                  <p:tgtEl>
+                    <p:sldTgt/>
+                  </p:tgtEl>
+                </p:cond>
+              </p:nextCondLst>
+            </p:seq>
+          </p:childTnLst>
+        </p:cTn>
+      </p:par>
+    </p:tnLst>
+    <p:bldLst>
+      <p:bldP spid="4" grpId="0"/>
+      <p:bldP spid="6" grpId="0"/>
+      <p:bldP spid="8" grpId="0"/>
+      <p:bldP spid="10" grpId="0"/>
+      <p:bldP spid="12" grpId="0"/>
+    </p:bldLst>
+  </p:timing>
+</p:sld>
+</file>
+
+<file path=ppt/slides/slide9.xml><?xml version="1.0" encoding="utf-8"?>
+<p:sld xmlns:a="http://schemas.openxmlformats.org/drawingml/2006/main" xmlns:r="http://schemas.openxmlformats.org/officeDocument/2006/relationships" xmlns:p="http://schemas.openxmlformats.org/presentationml/2006/main">
+  <p:cSld>
+    <p:spTree>
+      <p:nvGrpSpPr>
+        <p:cNvPr id="1" name=""/>
+        <p:cNvGrpSpPr/>
+        <p:nvPr/>
+      </p:nvGrpSpPr>
+      <p:grpSpPr>
+        <a:xfrm>
+          <a:off x="0" y="0"/>
+          <a:ext cx="0" cy="0"/>
+          <a:chOff x="0" y="0"/>
+          <a:chExt cx="0" cy="0"/>
+        </a:xfrm>
+      </p:grpSpPr>
+      <p:sp>
+        <p:nvSpPr>
+          <p:cNvPr id="2" name="标题 1">
+            <a:extLst>
+              <a:ext uri="{FF2B5EF4-FFF2-40B4-BE49-F238E27FC236}">
+                <a16:creationId xmlns:a16="http://schemas.microsoft.com/office/drawing/2014/main" id="{26EE1822-4B04-424F-A6F8-CA2A537B252D}"/>
+              </a:ext>
+            </a:extLst>
+          </p:cNvPr>
+          <p:cNvSpPr>
+            <a:spLocks noGrp="1"/>
+          </p:cNvSpPr>
+          <p:nvPr>
+            <p:ph type="title"/>
+          </p:nvPr>
+        </p:nvSpPr>
+        <p:spPr>
+          <a:xfrm>
+            <a:off x="3532703" y="2442205"/>
+            <a:ext cx="5126594" cy="1173005"/>
+          </a:xfrm>
+        </p:spPr>
+        <p:txBody>
+          <a:bodyPr/>
+          <a:lstStyle/>
+          <a:p>
+            <a:r>
+              <a:rPr lang="zh-CN" altLang="en-US" dirty="0"/>
+              <a:t>还有哪些排比呢？</a:t>
+            </a:r>
+          </a:p>
+        </p:txBody>
+      </p:sp>
+    </p:spTree>
+    <p:extLst>
+      <p:ext uri="{BB962C8B-B14F-4D97-AF65-F5344CB8AC3E}">
+        <p14:creationId xmlns:p14="http://schemas.microsoft.com/office/powerpoint/2010/main" val="2326485552"/>
+      </p:ext>
+    </p:extLst>
+  </p:cSld>
+  <p:clrMapOvr>
+    <a:masterClrMapping/>
+  </p:clrMapOvr>
 </p:sld>
 </file>
 
